--- a/poster.pptx
+++ b/poster.pptx
@@ -1614,43 +1614,6 @@
             <a:endParaRPr lang="en-US" sz="2363" b="1" dirty="0"/>
           </a:p>
           <a:p>
-            <a:pPr algn="just"/>
-            <a:endParaRPr lang="en-US" sz="2025" dirty="0">
-              <a:latin typeface="+mn-lt"/>
-            </a:endParaRPr>
-          </a:p>
-          <a:p>
-            <a:pPr algn="just"/>
-            <a:endParaRPr lang="en-US" sz="2081" dirty="0"/>
-          </a:p>
-          <a:p>
-            <a:pPr algn="just"/>
-            <a:endParaRPr lang="en-US" sz="2081" dirty="0"/>
-          </a:p>
-          <a:p>
-            <a:pPr algn="just"/>
-            <a:endParaRPr lang="en-US" sz="2081" dirty="0"/>
-          </a:p>
-          <a:p>
-            <a:pPr algn="just"/>
-            <a:endParaRPr lang="en-US" sz="2081" dirty="0"/>
-          </a:p>
-          <a:p>
-            <a:pPr algn="just"/>
-            <a:endParaRPr lang="en-US" sz="2081" dirty="0"/>
-          </a:p>
-          <a:p>
-            <a:pPr algn="just"/>
-            <a:endParaRPr lang="en-US" sz="2081" b="1" dirty="0"/>
-          </a:p>
-          <a:p>
-            <a:pPr lvl="1" algn="just"/>
-            <a:r>
-              <a:rPr lang="en-US" sz="2081" b="1" dirty="0"/>
-              <a:t> </a:t>
-            </a:r>
-          </a:p>
-          <a:p>
             <a:pPr lvl="1" algn="just"/>
             <a:endParaRPr lang="en-US" sz="2081" b="1" dirty="0"/>
           </a:p>
@@ -2548,6 +2511,124 @@
           </a:prstGeom>
         </p:spPr>
       </p:pic>
+      <p:sp>
+        <p:nvSpPr>
+          <p:cNvPr id="4" name="TextBox 3"/>
+          <p:cNvSpPr txBox="1"/>
+          <p:nvPr/>
+        </p:nvSpPr>
+        <p:spPr>
+          <a:xfrm>
+            <a:off x="17497836" y="5181600"/>
+            <a:ext cx="9572213" cy="4524315"/>
+          </a:xfrm>
+          <a:prstGeom prst="rect">
+            <a:avLst/>
+          </a:prstGeom>
+          <a:noFill/>
+        </p:spPr>
+        <p:txBody>
+          <a:bodyPr wrap="square" rtlCol="0">
+            <a:spAutoFit/>
+          </a:bodyPr>
+          <a:lstStyle/>
+          <a:p>
+            <a:r>
+              <a:rPr lang="en-US" sz="2400" b="1" dirty="0" smtClean="0"/>
+              <a:t>The </a:t>
+            </a:r>
+            <a:r>
+              <a:rPr lang="en-US" sz="2400" b="1" dirty="0"/>
+              <a:t>goal of this project was to expand the functionality of the </a:t>
+            </a:r>
+            <a:r>
+              <a:rPr lang="en-US" sz="2400" b="1" dirty="0" err="1" smtClean="0"/>
+              <a:t>MassachusettsTechnology</a:t>
+            </a:r>
+            <a:r>
+              <a:rPr lang="en-US" sz="2400" b="1" dirty="0"/>
+              <a:t>, Talent, and Economic Reporting System (MATTERS) for the </a:t>
+            </a:r>
+            <a:r>
+              <a:rPr lang="en-US" sz="2400" b="1" dirty="0" smtClean="0"/>
+              <a:t>Massachusetts </a:t>
+            </a:r>
+            <a:r>
+              <a:rPr lang="en-US" sz="2400" b="1" dirty="0"/>
+              <a:t>High Technology Council (MHTC), a </a:t>
+            </a:r>
+            <a:r>
+              <a:rPr lang="en-US" sz="2400" b="1" dirty="0" err="1"/>
+              <a:t>protechnology</a:t>
+            </a:r>
+            <a:r>
+              <a:rPr lang="en-US" sz="2400" b="1" dirty="0"/>
+              <a:t> advocacy </a:t>
+            </a:r>
+            <a:r>
+              <a:rPr lang="en-US" sz="2400" b="1" dirty="0" smtClean="0"/>
+              <a:t>and lobbyist </a:t>
+            </a:r>
+            <a:r>
+              <a:rPr lang="en-US" sz="2400" b="1" dirty="0"/>
+              <a:t>organization, through the addition of two new features an Application Program </a:t>
+            </a:r>
+            <a:r>
+              <a:rPr lang="en-US" sz="2400" b="1" dirty="0" smtClean="0"/>
+              <a:t>Interface (API</a:t>
+            </a:r>
+            <a:r>
+              <a:rPr lang="en-US" sz="2400" b="1" dirty="0"/>
+              <a:t>) and the Metric Builder. This API defines a </a:t>
+            </a:r>
+            <a:r>
+              <a:rPr lang="en-US" sz="2400" b="1" dirty="0" smtClean="0"/>
+              <a:t>communication protocol </a:t>
+            </a:r>
+            <a:r>
+              <a:rPr lang="en-US" sz="2400" b="1" dirty="0"/>
+              <a:t>between </a:t>
+            </a:r>
+            <a:r>
+              <a:rPr lang="en-US" sz="2400" b="1" dirty="0" smtClean="0"/>
+              <a:t>MATTERS and </a:t>
+            </a:r>
+            <a:r>
+              <a:rPr lang="en-US" sz="2400" b="1" dirty="0"/>
+              <a:t>other computational-based systems. We also wrote extensive API </a:t>
+            </a:r>
+            <a:r>
+              <a:rPr lang="en-US" sz="2400" b="1" dirty="0" smtClean="0"/>
+              <a:t>documentation</a:t>
+            </a:r>
+            <a:r>
+              <a:rPr lang="en-US" sz="2400" b="1" dirty="0"/>
+              <a:t>. The Metric Builder is a tool that lets users create their own metrics </a:t>
+            </a:r>
+            <a:r>
+              <a:rPr lang="en-US" sz="2400" b="1" dirty="0" smtClean="0"/>
+              <a:t>with their </a:t>
+            </a:r>
+            <a:r>
+              <a:rPr lang="en-US" sz="2400" b="1" dirty="0"/>
+              <a:t>own rules out of existing MATTERS metrics. Users are now able to define </a:t>
+            </a:r>
+            <a:r>
+              <a:rPr lang="en-US" sz="2400" b="1" dirty="0" smtClean="0"/>
+              <a:t>their own </a:t>
+            </a:r>
+            <a:r>
+              <a:rPr lang="en-US" sz="2400" b="1" dirty="0"/>
+              <a:t>indexes and track individual states' performance</a:t>
+            </a:r>
+            <a:r>
+              <a:rPr lang="en-US" sz="2400" b="1" dirty="0" smtClean="0"/>
+              <a:t>.</a:t>
+            </a:r>
+            <a:endParaRPr lang="en-US" sz="2400" b="1" dirty="0"/>
+          </a:p>
+        </p:txBody>
+      </p:sp>
     </p:spTree>
     <p:extLst>
       <p:ext uri="{BB962C8B-B14F-4D97-AF65-F5344CB8AC3E}">

--- a/poster.pptx
+++ b/poster.pptx
@@ -255,7 +255,7 @@
           <a:p>
             <a:fld id="{A61186C1-2136-4F5C-81C5-7E7D5B4818E4}" type="datetimeFigureOut">
               <a:rPr lang="en-US" smtClean="0"/>
-              <a:t>4/10/2016</a:t>
+              <a:t>4/11/16</a:t>
             </a:fld>
             <a:endParaRPr lang="en-US"/>
           </a:p>
@@ -437,7 +437,7 @@
               <a:pPr>
                 <a:defRPr/>
               </a:pPr>
-              <a:t>4/10/2016</a:t>
+              <a:t>4/11/16</a:t>
             </a:fld>
             <a:endParaRPr lang="en-US"/>
           </a:p>
@@ -1562,8 +1562,8 @@
         </p:nvSpPr>
         <p:spPr bwMode="auto">
           <a:xfrm>
-            <a:off x="15801448" y="4199579"/>
-            <a:ext cx="12432742" cy="5858822"/>
+            <a:off x="15801448" y="4199578"/>
+            <a:ext cx="12432742" cy="6012395"/>
           </a:xfrm>
           <a:prstGeom prst="roundRect">
             <a:avLst>
@@ -1612,6 +1612,43 @@
           <a:p>
             <a:pPr algn="just"/>
             <a:endParaRPr lang="en-US" sz="2363" b="1" dirty="0"/>
+          </a:p>
+          <a:p>
+            <a:pPr algn="just"/>
+            <a:endParaRPr lang="en-US" sz="2025" dirty="0">
+              <a:latin typeface="+mn-lt"/>
+            </a:endParaRPr>
+          </a:p>
+          <a:p>
+            <a:pPr algn="just"/>
+            <a:endParaRPr lang="en-US" sz="2081" dirty="0"/>
+          </a:p>
+          <a:p>
+            <a:pPr algn="just"/>
+            <a:endParaRPr lang="en-US" sz="2081" dirty="0"/>
+          </a:p>
+          <a:p>
+            <a:pPr algn="just"/>
+            <a:endParaRPr lang="en-US" sz="2081" dirty="0"/>
+          </a:p>
+          <a:p>
+            <a:pPr algn="just"/>
+            <a:endParaRPr lang="en-US" sz="2081" dirty="0"/>
+          </a:p>
+          <a:p>
+            <a:pPr algn="just"/>
+            <a:endParaRPr lang="en-US" sz="2081" dirty="0"/>
+          </a:p>
+          <a:p>
+            <a:pPr algn="just"/>
+            <a:endParaRPr lang="en-US" sz="2081" b="1" dirty="0"/>
+          </a:p>
+          <a:p>
+            <a:pPr lvl="1" algn="just"/>
+            <a:r>
+              <a:rPr lang="en-US" sz="2081" b="1" dirty="0"/>
+              <a:t> </a:t>
+            </a:r>
           </a:p>
           <a:p>
             <a:pPr lvl="1" algn="just"/>
@@ -1799,7 +1836,7 @@
         <p:spPr bwMode="auto">
           <a:xfrm>
             <a:off x="29908147" y="11813598"/>
-            <a:ext cx="12014811" cy="4188872"/>
+            <a:ext cx="12994468" cy="7680632"/>
           </a:xfrm>
           <a:prstGeom prst="roundRect">
             <a:avLst>
@@ -1853,8 +1890,8 @@
         </p:nvSpPr>
         <p:spPr bwMode="auto">
           <a:xfrm>
-            <a:off x="29800798" y="21761827"/>
-            <a:ext cx="12014811" cy="5302815"/>
+            <a:off x="30006665" y="26062529"/>
+            <a:ext cx="12895949" cy="5302815"/>
           </a:xfrm>
           <a:prstGeom prst="roundRect">
             <a:avLst>
@@ -1914,8 +1951,8 @@
         </p:nvSpPr>
         <p:spPr bwMode="auto">
           <a:xfrm>
-            <a:off x="29800797" y="16103558"/>
-            <a:ext cx="12014812" cy="5608393"/>
+            <a:off x="30006663" y="20052987"/>
+            <a:ext cx="12895951" cy="5608393"/>
           </a:xfrm>
           <a:prstGeom prst="roundRect">
             <a:avLst>
@@ -2257,67 +2294,6 @@
           </a:p>
         </p:txBody>
       </p:sp>
-      <p:sp>
-        <p:nvSpPr>
-          <p:cNvPr id="32" name="AutoShape 38"/>
-          <p:cNvSpPr>
-            <a:spLocks noChangeArrowheads="1"/>
-          </p:cNvSpPr>
-          <p:nvPr/>
-        </p:nvSpPr>
-        <p:spPr bwMode="auto">
-          <a:xfrm>
-            <a:off x="29945236" y="27171810"/>
-            <a:ext cx="12014811" cy="5302815"/>
-          </a:xfrm>
-          <a:prstGeom prst="roundRect">
-            <a:avLst>
-              <a:gd name="adj" fmla="val 16667"/>
-            </a:avLst>
-          </a:prstGeom>
-          <a:solidFill>
-            <a:schemeClr val="bg1"/>
-          </a:solidFill>
-          <a:ln w="9525">
-            <a:solidFill>
-              <a:schemeClr val="tx1"/>
-            </a:solidFill>
-            <a:round/>
-            <a:headEnd/>
-            <a:tailEnd/>
-          </a:ln>
-          <a:effectLst/>
-          <a:extLst>
-            <a:ext uri="{AF507438-7753-43E0-B8FC-AC1667EBCBE1}">
-              <a14:hiddenEffects xmlns:a14="http://schemas.microsoft.com/office/drawing/2010/main">
-                <a:effectLst>
-                  <a:outerShdw dist="35921" dir="2700000" algn="ctr" rotWithShape="0">
-                    <a:schemeClr val="bg2"/>
-                  </a:outerShdw>
-                </a:effectLst>
-              </a14:hiddenEffects>
-            </a:ext>
-          </a:extLst>
-        </p:spPr>
-        <p:txBody>
-          <a:bodyPr lIns="67508" tIns="33754" rIns="67508" bIns="33754" anchor="t"/>
-          <a:lstStyle/>
-          <a:p>
-            <a:pPr algn="ctr"/>
-            <a:r>
-              <a:rPr lang="en-US" sz="4400" b="1" dirty="0" smtClean="0"/>
-              <a:t>Motivation</a:t>
-            </a:r>
-            <a:endParaRPr lang="en-US" sz="4400" b="1" dirty="0"/>
-          </a:p>
-          <a:p>
-            <a:pPr algn="ctr"/>
-            <a:endParaRPr lang="en-US" sz="2251" dirty="0">
-              <a:latin typeface="Times New Roman" pitchFamily="18" charset="0"/>
-            </a:endParaRPr>
-          </a:p>
-        </p:txBody>
-      </p:sp>
       <p:pic>
         <p:nvPicPr>
           <p:cNvPr id="16" name="Picture 15"/>
@@ -2511,6 +2487,987 @@
           </a:prstGeom>
         </p:spPr>
       </p:pic>
+      <p:graphicFrame>
+        <p:nvGraphicFramePr>
+          <p:cNvPr id="3" name="Table 2"/>
+          <p:cNvGraphicFramePr>
+            <a:graphicFrameLocks noGrp="1"/>
+          </p:cNvGraphicFramePr>
+          <p:nvPr>
+            <p:extLst>
+              <p:ext uri="{D42A27DB-BD31-4B8C-83A1-F6EECF244321}">
+                <p14:modId xmlns:p14="http://schemas.microsoft.com/office/powerpoint/2010/main" val="509684405"/>
+              </p:ext>
+            </p:extLst>
+          </p:nvPr>
+        </p:nvGraphicFramePr>
+        <p:xfrm>
+          <a:off x="1892378" y="13603810"/>
+          <a:ext cx="11891952" cy="3808222"/>
+        </p:xfrm>
+        <a:graphic>
+          <a:graphicData uri="http://schemas.openxmlformats.org/drawingml/2006/table">
+            <a:tbl>
+              <a:tblPr firstRow="1" bandRow="1">
+                <a:tableStyleId>{5C22544A-7EE6-4342-B048-85BDC9FD1C3A}</a:tableStyleId>
+              </a:tblPr>
+              <a:tblGrid>
+                <a:gridCol w="2285922"/>
+                <a:gridCol w="4495800"/>
+                <a:gridCol w="5110230"/>
+              </a:tblGrid>
+              <a:tr h="370840">
+                <a:tc>
+                  <a:txBody>
+                    <a:bodyPr/>
+                    <a:lstStyle/>
+                    <a:p>
+                      <a:pPr algn="ctr"/>
+                      <a:r>
+                        <a:rPr lang="en-US" dirty="0" smtClean="0"/>
+                        <a:t>Name</a:t>
+                      </a:r>
+                      <a:endParaRPr lang="en-US" dirty="0"/>
+                    </a:p>
+                  </a:txBody>
+                  <a:tcPr anchor="ctr"/>
+                </a:tc>
+                <a:tc>
+                  <a:txBody>
+                    <a:bodyPr/>
+                    <a:lstStyle/>
+                    <a:p>
+                      <a:pPr algn="ctr"/>
+                      <a:r>
+                        <a:rPr lang="en-US" dirty="0" smtClean="0"/>
+                        <a:t>Type</a:t>
+                      </a:r>
+                      <a:endParaRPr lang="en-US" dirty="0"/>
+                    </a:p>
+                  </a:txBody>
+                  <a:tcPr anchor="ctr"/>
+                </a:tc>
+                <a:tc>
+                  <a:txBody>
+                    <a:bodyPr/>
+                    <a:lstStyle/>
+                    <a:p>
+                      <a:pPr algn="ctr"/>
+                      <a:r>
+                        <a:rPr lang="en-US" dirty="0" smtClean="0"/>
+                        <a:t>Comment</a:t>
+                      </a:r>
+                      <a:endParaRPr lang="en-US" dirty="0"/>
+                    </a:p>
+                  </a:txBody>
+                  <a:tcPr anchor="ctr"/>
+                </a:tc>
+              </a:tr>
+              <a:tr h="370840">
+                <a:tc>
+                  <a:txBody>
+                    <a:bodyPr/>
+                    <a:lstStyle/>
+                    <a:p>
+                      <a:pPr marL="0" marR="0" indent="0" algn="ctr" defTabSz="1234544" rtl="0" eaLnBrk="1" fontAlgn="auto" latinLnBrk="0" hangingPunct="1">
+                        <a:lnSpc>
+                          <a:spcPct val="100000"/>
+                        </a:lnSpc>
+                        <a:spcBef>
+                          <a:spcPts val="0"/>
+                        </a:spcBef>
+                        <a:spcAft>
+                          <a:spcPts val="0"/>
+                        </a:spcAft>
+                        <a:buClrTx/>
+                        <a:buSzTx/>
+                        <a:buFontTx/>
+                        <a:buNone/>
+                        <a:tabLst/>
+                        <a:defRPr/>
+                      </a:pPr>
+                      <a:r>
+                        <a:rPr lang="en-US" sz="4894" kern="1200" dirty="0" smtClean="0">
+                          <a:solidFill>
+                            <a:schemeClr val="dk1"/>
+                          </a:solidFill>
+                          <a:effectLst/>
+                          <a:latin typeface="+mn-lt"/>
+                          <a:ea typeface="+mn-ea"/>
+                          <a:cs typeface="+mn-cs"/>
+                        </a:rPr>
+                        <a:t>Id</a:t>
+                      </a:r>
+                    </a:p>
+                  </a:txBody>
+                  <a:tcPr anchor="ctr"/>
+                </a:tc>
+                <a:tc>
+                  <a:txBody>
+                    <a:bodyPr/>
+                    <a:lstStyle/>
+                    <a:p>
+                      <a:pPr marL="0" marR="0" indent="0" algn="ctr" defTabSz="1234544" rtl="0" eaLnBrk="1" fontAlgn="auto" latinLnBrk="0" hangingPunct="1">
+                        <a:lnSpc>
+                          <a:spcPct val="100000"/>
+                        </a:lnSpc>
+                        <a:spcBef>
+                          <a:spcPts val="0"/>
+                        </a:spcBef>
+                        <a:spcAft>
+                          <a:spcPts val="0"/>
+                        </a:spcAft>
+                        <a:buClrTx/>
+                        <a:buSzTx/>
+                        <a:buFontTx/>
+                        <a:buNone/>
+                        <a:tabLst/>
+                        <a:defRPr/>
+                      </a:pPr>
+                      <a:r>
+                        <a:rPr lang="en-US" sz="4400" i="1" kern="1200" dirty="0" smtClean="0">
+                          <a:solidFill>
+                            <a:schemeClr val="dk1"/>
+                          </a:solidFill>
+                          <a:effectLst/>
+                          <a:latin typeface="+mn-lt"/>
+                          <a:ea typeface="+mn-ea"/>
+                          <a:cs typeface="+mn-cs"/>
+                        </a:rPr>
+                        <a:t>INT </a:t>
+                      </a:r>
+                      <a:endParaRPr lang="en-US" sz="4400" i="1" dirty="0" smtClean="0"/>
+                    </a:p>
+                  </a:txBody>
+                  <a:tcPr anchor="ctr"/>
+                </a:tc>
+                <a:tc>
+                  <a:txBody>
+                    <a:bodyPr/>
+                    <a:lstStyle/>
+                    <a:p>
+                      <a:pPr marL="0" marR="0" indent="0" algn="ctr" defTabSz="1234544" rtl="0" eaLnBrk="1" fontAlgn="auto" latinLnBrk="0" hangingPunct="1">
+                        <a:lnSpc>
+                          <a:spcPct val="100000"/>
+                        </a:lnSpc>
+                        <a:spcBef>
+                          <a:spcPts val="0"/>
+                        </a:spcBef>
+                        <a:spcAft>
+                          <a:spcPts val="0"/>
+                        </a:spcAft>
+                        <a:buClrTx/>
+                        <a:buSzTx/>
+                        <a:buFontTx/>
+                        <a:buNone/>
+                        <a:tabLst/>
+                        <a:defRPr/>
+                      </a:pPr>
+                      <a:r>
+                        <a:rPr lang="en-US" sz="3200" kern="1200" dirty="0" smtClean="0">
+                          <a:solidFill>
+                            <a:schemeClr val="dk1"/>
+                          </a:solidFill>
+                          <a:effectLst/>
+                          <a:latin typeface="+mn-lt"/>
+                          <a:ea typeface="+mn-ea"/>
+                          <a:cs typeface="+mn-cs"/>
+                        </a:rPr>
+                        <a:t>Unique auto-incremented identifier</a:t>
+                      </a:r>
+                      <a:endParaRPr lang="en-US" sz="3200" dirty="0" smtClean="0"/>
+                    </a:p>
+                  </a:txBody>
+                  <a:tcPr anchor="ctr"/>
+                </a:tc>
+              </a:tr>
+              <a:tr h="370840">
+                <a:tc>
+                  <a:txBody>
+                    <a:bodyPr/>
+                    <a:lstStyle/>
+                    <a:p>
+                      <a:pPr algn="ctr"/>
+                      <a:r>
+                        <a:rPr lang="en-US" sz="4894" kern="1200" dirty="0" smtClean="0">
+                          <a:solidFill>
+                            <a:schemeClr val="dk1"/>
+                          </a:solidFill>
+                          <a:effectLst/>
+                          <a:latin typeface="+mn-lt"/>
+                          <a:ea typeface="+mn-ea"/>
+                          <a:cs typeface="+mn-cs"/>
+                        </a:rPr>
+                        <a:t>Name </a:t>
+                      </a:r>
+                      <a:endParaRPr lang="en-US" dirty="0"/>
+                    </a:p>
+                  </a:txBody>
+                  <a:tcPr anchor="ctr"/>
+                </a:tc>
+                <a:tc>
+                  <a:txBody>
+                    <a:bodyPr/>
+                    <a:lstStyle/>
+                    <a:p>
+                      <a:pPr marL="0" marR="0" indent="0" algn="ctr" defTabSz="1234544" rtl="0" eaLnBrk="1" fontAlgn="auto" latinLnBrk="0" hangingPunct="1">
+                        <a:lnSpc>
+                          <a:spcPct val="100000"/>
+                        </a:lnSpc>
+                        <a:spcBef>
+                          <a:spcPts val="0"/>
+                        </a:spcBef>
+                        <a:spcAft>
+                          <a:spcPts val="0"/>
+                        </a:spcAft>
+                        <a:buClrTx/>
+                        <a:buSzTx/>
+                        <a:buFontTx/>
+                        <a:buNone/>
+                        <a:tabLst/>
+                        <a:defRPr/>
+                      </a:pPr>
+                      <a:r>
+                        <a:rPr lang="en-US" sz="4400" i="1" kern="1200" dirty="0" smtClean="0">
+                          <a:solidFill>
+                            <a:schemeClr val="dk1"/>
+                          </a:solidFill>
+                          <a:effectLst/>
+                          <a:latin typeface="+mn-lt"/>
+                          <a:ea typeface="+mn-ea"/>
+                          <a:cs typeface="+mn-cs"/>
+                        </a:rPr>
+                        <a:t>VARCHAR </a:t>
+                      </a:r>
+                      <a:endParaRPr lang="en-US" sz="4400" i="1" dirty="0" smtClean="0"/>
+                    </a:p>
+                  </a:txBody>
+                  <a:tcPr anchor="ctr"/>
+                </a:tc>
+                <a:tc>
+                  <a:txBody>
+                    <a:bodyPr/>
+                    <a:lstStyle/>
+                    <a:p>
+                      <a:pPr marL="0" marR="0" indent="0" algn="ctr" defTabSz="1234544" rtl="0" eaLnBrk="1" fontAlgn="auto" latinLnBrk="0" hangingPunct="1">
+                        <a:lnSpc>
+                          <a:spcPct val="100000"/>
+                        </a:lnSpc>
+                        <a:spcBef>
+                          <a:spcPts val="0"/>
+                        </a:spcBef>
+                        <a:spcAft>
+                          <a:spcPts val="0"/>
+                        </a:spcAft>
+                        <a:buClrTx/>
+                        <a:buSzTx/>
+                        <a:buFontTx/>
+                        <a:buNone/>
+                        <a:tabLst/>
+                        <a:defRPr/>
+                      </a:pPr>
+                      <a:r>
+                        <a:rPr lang="en-US" sz="3200" kern="1200" dirty="0" smtClean="0">
+                          <a:solidFill>
+                            <a:schemeClr val="dk1"/>
+                          </a:solidFill>
+                          <a:effectLst/>
+                          <a:latin typeface="+mn-lt"/>
+                          <a:ea typeface="+mn-ea"/>
+                          <a:cs typeface="+mn-cs"/>
+                        </a:rPr>
+                        <a:t>API user’s name</a:t>
+                      </a:r>
+                    </a:p>
+                  </a:txBody>
+                  <a:tcPr anchor="ctr"/>
+                </a:tc>
+              </a:tr>
+              <a:tr h="370840">
+                <a:tc>
+                  <a:txBody>
+                    <a:bodyPr/>
+                    <a:lstStyle/>
+                    <a:p>
+                      <a:pPr marL="0" marR="0" indent="0" algn="ctr" defTabSz="1234544" rtl="0" eaLnBrk="1" fontAlgn="auto" latinLnBrk="0" hangingPunct="1">
+                        <a:lnSpc>
+                          <a:spcPct val="100000"/>
+                        </a:lnSpc>
+                        <a:spcBef>
+                          <a:spcPts val="0"/>
+                        </a:spcBef>
+                        <a:spcAft>
+                          <a:spcPts val="0"/>
+                        </a:spcAft>
+                        <a:buClrTx/>
+                        <a:buSzTx/>
+                        <a:buFontTx/>
+                        <a:buNone/>
+                        <a:tabLst/>
+                        <a:defRPr/>
+                      </a:pPr>
+                      <a:r>
+                        <a:rPr lang="en-US" sz="4894" kern="1200" dirty="0" err="1" smtClean="0">
+                          <a:solidFill>
+                            <a:schemeClr val="dk1"/>
+                          </a:solidFill>
+                          <a:effectLst/>
+                          <a:latin typeface="+mn-lt"/>
+                          <a:ea typeface="+mn-ea"/>
+                          <a:cs typeface="+mn-cs"/>
+                        </a:rPr>
+                        <a:t>ApiKey</a:t>
+                      </a:r>
+                      <a:r>
+                        <a:rPr lang="en-US" sz="4894" kern="1200" dirty="0" smtClean="0">
+                          <a:solidFill>
+                            <a:schemeClr val="dk1"/>
+                          </a:solidFill>
+                          <a:effectLst/>
+                          <a:latin typeface="+mn-lt"/>
+                          <a:ea typeface="+mn-ea"/>
+                          <a:cs typeface="+mn-cs"/>
+                        </a:rPr>
+                        <a:t> </a:t>
+                      </a:r>
+                      <a:endParaRPr lang="en-US" dirty="0" smtClean="0"/>
+                    </a:p>
+                  </a:txBody>
+                  <a:tcPr anchor="ctr"/>
+                </a:tc>
+                <a:tc>
+                  <a:txBody>
+                    <a:bodyPr/>
+                    <a:lstStyle/>
+                    <a:p>
+                      <a:pPr marL="0" marR="0" indent="0" algn="ctr" defTabSz="1234544" rtl="0" eaLnBrk="1" fontAlgn="auto" latinLnBrk="0" hangingPunct="1">
+                        <a:lnSpc>
+                          <a:spcPct val="100000"/>
+                        </a:lnSpc>
+                        <a:spcBef>
+                          <a:spcPts val="0"/>
+                        </a:spcBef>
+                        <a:spcAft>
+                          <a:spcPts val="0"/>
+                        </a:spcAft>
+                        <a:buClrTx/>
+                        <a:buSzTx/>
+                        <a:buFontTx/>
+                        <a:buNone/>
+                        <a:tabLst/>
+                        <a:defRPr/>
+                      </a:pPr>
+                      <a:r>
+                        <a:rPr lang="is-IS" sz="4400" i="1" kern="1200" dirty="0" smtClean="0">
+                          <a:solidFill>
+                            <a:schemeClr val="dk1"/>
+                          </a:solidFill>
+                          <a:effectLst/>
+                          <a:latin typeface="+mn-lt"/>
+                          <a:ea typeface="+mn-ea"/>
+                          <a:cs typeface="+mn-cs"/>
+                        </a:rPr>
+                        <a:t>VARCHAR(160) </a:t>
+                      </a:r>
+                      <a:endParaRPr lang="is-IS" sz="4400" i="1" dirty="0" smtClean="0"/>
+                    </a:p>
+                  </a:txBody>
+                  <a:tcPr anchor="ctr"/>
+                </a:tc>
+                <a:tc>
+                  <a:txBody>
+                    <a:bodyPr/>
+                    <a:lstStyle/>
+                    <a:p>
+                      <a:pPr marL="0" marR="0" indent="0" algn="ctr" defTabSz="1234544" rtl="0" eaLnBrk="1" fontAlgn="auto" latinLnBrk="0" hangingPunct="1">
+                        <a:lnSpc>
+                          <a:spcPct val="100000"/>
+                        </a:lnSpc>
+                        <a:spcBef>
+                          <a:spcPts val="0"/>
+                        </a:spcBef>
+                        <a:spcAft>
+                          <a:spcPts val="0"/>
+                        </a:spcAft>
+                        <a:buClrTx/>
+                        <a:buSzTx/>
+                        <a:buFontTx/>
+                        <a:buNone/>
+                        <a:tabLst/>
+                        <a:defRPr/>
+                      </a:pPr>
+                      <a:r>
+                        <a:rPr lang="en-US" sz="3200" kern="1200" dirty="0" smtClean="0">
+                          <a:solidFill>
+                            <a:schemeClr val="dk1"/>
+                          </a:solidFill>
+                          <a:effectLst/>
+                          <a:latin typeface="+mn-lt"/>
+                          <a:ea typeface="+mn-ea"/>
+                          <a:cs typeface="+mn-cs"/>
+                        </a:rPr>
+                        <a:t>Unique random string; used for authentication </a:t>
+                      </a:r>
+                    </a:p>
+                  </a:txBody>
+                  <a:tcPr anchor="ctr"/>
+                </a:tc>
+              </a:tr>
+            </a:tbl>
+          </a:graphicData>
+        </a:graphic>
+      </p:graphicFrame>
+      <p:graphicFrame>
+        <p:nvGraphicFramePr>
+          <p:cNvPr id="21" name="Table 20"/>
+          <p:cNvGraphicFramePr>
+            <a:graphicFrameLocks noGrp="1"/>
+          </p:cNvGraphicFramePr>
+          <p:nvPr>
+            <p:extLst>
+              <p:ext uri="{D42A27DB-BD31-4B8C-83A1-F6EECF244321}">
+                <p14:modId xmlns:p14="http://schemas.microsoft.com/office/powerpoint/2010/main" val="1196307195"/>
+              </p:ext>
+            </p:extLst>
+          </p:nvPr>
+        </p:nvGraphicFramePr>
+        <p:xfrm>
+          <a:off x="30508662" y="13264349"/>
+          <a:ext cx="11891952" cy="4875022"/>
+        </p:xfrm>
+        <a:graphic>
+          <a:graphicData uri="http://schemas.openxmlformats.org/drawingml/2006/table">
+            <a:tbl>
+              <a:tblPr firstRow="1" bandRow="1">
+                <a:tableStyleId>{5C22544A-7EE6-4342-B048-85BDC9FD1C3A}</a:tableStyleId>
+              </a:tblPr>
+              <a:tblGrid>
+                <a:gridCol w="2285922"/>
+                <a:gridCol w="4495800"/>
+                <a:gridCol w="5110230"/>
+              </a:tblGrid>
+              <a:tr h="370840">
+                <a:tc>
+                  <a:txBody>
+                    <a:bodyPr/>
+                    <a:lstStyle/>
+                    <a:p>
+                      <a:pPr algn="ctr"/>
+                      <a:r>
+                        <a:rPr lang="en-US" dirty="0" smtClean="0"/>
+                        <a:t>Name</a:t>
+                      </a:r>
+                      <a:endParaRPr lang="en-US" dirty="0"/>
+                    </a:p>
+                  </a:txBody>
+                  <a:tcPr anchor="ctr"/>
+                </a:tc>
+                <a:tc>
+                  <a:txBody>
+                    <a:bodyPr/>
+                    <a:lstStyle/>
+                    <a:p>
+                      <a:pPr algn="ctr"/>
+                      <a:r>
+                        <a:rPr lang="en-US" dirty="0" smtClean="0"/>
+                        <a:t>Type</a:t>
+                      </a:r>
+                      <a:endParaRPr lang="en-US" dirty="0"/>
+                    </a:p>
+                  </a:txBody>
+                  <a:tcPr anchor="ctr"/>
+                </a:tc>
+                <a:tc>
+                  <a:txBody>
+                    <a:bodyPr/>
+                    <a:lstStyle/>
+                    <a:p>
+                      <a:pPr algn="ctr"/>
+                      <a:r>
+                        <a:rPr lang="en-US" dirty="0" smtClean="0"/>
+                        <a:t>Comment</a:t>
+                      </a:r>
+                      <a:endParaRPr lang="en-US" dirty="0"/>
+                    </a:p>
+                  </a:txBody>
+                  <a:tcPr anchor="ctr"/>
+                </a:tc>
+              </a:tr>
+              <a:tr h="370840">
+                <a:tc>
+                  <a:txBody>
+                    <a:bodyPr/>
+                    <a:lstStyle/>
+                    <a:p>
+                      <a:pPr marL="0" marR="0" indent="0" algn="ctr" defTabSz="1234544" rtl="0" eaLnBrk="1" fontAlgn="auto" latinLnBrk="0" hangingPunct="1">
+                        <a:lnSpc>
+                          <a:spcPct val="100000"/>
+                        </a:lnSpc>
+                        <a:spcBef>
+                          <a:spcPts val="0"/>
+                        </a:spcBef>
+                        <a:spcAft>
+                          <a:spcPts val="0"/>
+                        </a:spcAft>
+                        <a:buClrTx/>
+                        <a:buSzTx/>
+                        <a:buFontTx/>
+                        <a:buNone/>
+                        <a:tabLst/>
+                        <a:defRPr/>
+                      </a:pPr>
+                      <a:r>
+                        <a:rPr lang="en-US" sz="4894" kern="1200" dirty="0" smtClean="0">
+                          <a:solidFill>
+                            <a:schemeClr val="dk1"/>
+                          </a:solidFill>
+                          <a:effectLst/>
+                          <a:latin typeface="+mn-lt"/>
+                          <a:ea typeface="+mn-ea"/>
+                          <a:cs typeface="+mn-cs"/>
+                        </a:rPr>
+                        <a:t>Id</a:t>
+                      </a:r>
+                    </a:p>
+                  </a:txBody>
+                  <a:tcPr anchor="ctr"/>
+                </a:tc>
+                <a:tc>
+                  <a:txBody>
+                    <a:bodyPr/>
+                    <a:lstStyle/>
+                    <a:p>
+                      <a:pPr marL="0" marR="0" indent="0" algn="ctr" defTabSz="1234544" rtl="0" eaLnBrk="1" fontAlgn="auto" latinLnBrk="0" hangingPunct="1">
+                        <a:lnSpc>
+                          <a:spcPct val="100000"/>
+                        </a:lnSpc>
+                        <a:spcBef>
+                          <a:spcPts val="0"/>
+                        </a:spcBef>
+                        <a:spcAft>
+                          <a:spcPts val="0"/>
+                        </a:spcAft>
+                        <a:buClrTx/>
+                        <a:buSzTx/>
+                        <a:buFontTx/>
+                        <a:buNone/>
+                        <a:tabLst/>
+                        <a:defRPr/>
+                      </a:pPr>
+                      <a:r>
+                        <a:rPr lang="en-US" sz="4400" i="1" kern="1200" dirty="0" smtClean="0">
+                          <a:solidFill>
+                            <a:schemeClr val="dk1"/>
+                          </a:solidFill>
+                          <a:effectLst/>
+                          <a:latin typeface="+mn-lt"/>
+                          <a:ea typeface="+mn-ea"/>
+                          <a:cs typeface="+mn-cs"/>
+                        </a:rPr>
+                        <a:t>INT </a:t>
+                      </a:r>
+                      <a:endParaRPr lang="en-US" sz="4400" i="1" dirty="0" smtClean="0"/>
+                    </a:p>
+                  </a:txBody>
+                  <a:tcPr anchor="ctr"/>
+                </a:tc>
+                <a:tc>
+                  <a:txBody>
+                    <a:bodyPr/>
+                    <a:lstStyle/>
+                    <a:p>
+                      <a:pPr marL="0" marR="0" indent="0" algn="ctr" defTabSz="1234544" rtl="0" eaLnBrk="1" fontAlgn="auto" latinLnBrk="0" hangingPunct="1">
+                        <a:lnSpc>
+                          <a:spcPct val="100000"/>
+                        </a:lnSpc>
+                        <a:spcBef>
+                          <a:spcPts val="0"/>
+                        </a:spcBef>
+                        <a:spcAft>
+                          <a:spcPts val="0"/>
+                        </a:spcAft>
+                        <a:buClrTx/>
+                        <a:buSzTx/>
+                        <a:buFontTx/>
+                        <a:buNone/>
+                        <a:tabLst/>
+                        <a:defRPr/>
+                      </a:pPr>
+                      <a:r>
+                        <a:rPr lang="en-US" sz="3200" kern="1200" dirty="0" smtClean="0">
+                          <a:solidFill>
+                            <a:schemeClr val="dk1"/>
+                          </a:solidFill>
+                          <a:effectLst/>
+                          <a:latin typeface="+mn-lt"/>
+                          <a:ea typeface="+mn-ea"/>
+                          <a:cs typeface="+mn-cs"/>
+                        </a:rPr>
+                        <a:t>Unique auto-incremented identifier</a:t>
+                      </a:r>
+                      <a:endParaRPr lang="en-US" sz="3200" dirty="0" smtClean="0"/>
+                    </a:p>
+                  </a:txBody>
+                  <a:tcPr anchor="ctr"/>
+                </a:tc>
+              </a:tr>
+              <a:tr h="370840">
+                <a:tc>
+                  <a:txBody>
+                    <a:bodyPr/>
+                    <a:lstStyle/>
+                    <a:p>
+                      <a:pPr algn="ctr"/>
+                      <a:r>
+                        <a:rPr lang="en-US" sz="4894" kern="1200" dirty="0" smtClean="0">
+                          <a:solidFill>
+                            <a:schemeClr val="dk1"/>
+                          </a:solidFill>
+                          <a:effectLst/>
+                          <a:latin typeface="+mn-lt"/>
+                          <a:ea typeface="+mn-ea"/>
+                          <a:cs typeface="+mn-cs"/>
+                        </a:rPr>
+                        <a:t>Name </a:t>
+                      </a:r>
+                      <a:endParaRPr lang="en-US" dirty="0"/>
+                    </a:p>
+                  </a:txBody>
+                  <a:tcPr anchor="ctr"/>
+                </a:tc>
+                <a:tc>
+                  <a:txBody>
+                    <a:bodyPr/>
+                    <a:lstStyle/>
+                    <a:p>
+                      <a:pPr marL="0" marR="0" indent="0" algn="ctr" defTabSz="1234544" rtl="0" eaLnBrk="1" fontAlgn="auto" latinLnBrk="0" hangingPunct="1">
+                        <a:lnSpc>
+                          <a:spcPct val="100000"/>
+                        </a:lnSpc>
+                        <a:spcBef>
+                          <a:spcPts val="0"/>
+                        </a:spcBef>
+                        <a:spcAft>
+                          <a:spcPts val="0"/>
+                        </a:spcAft>
+                        <a:buClrTx/>
+                        <a:buSzTx/>
+                        <a:buFontTx/>
+                        <a:buNone/>
+                        <a:tabLst/>
+                        <a:defRPr/>
+                      </a:pPr>
+                      <a:r>
+                        <a:rPr lang="en-US" sz="4400" i="1" kern="1200" dirty="0" smtClean="0">
+                          <a:solidFill>
+                            <a:schemeClr val="dk1"/>
+                          </a:solidFill>
+                          <a:effectLst/>
+                          <a:latin typeface="+mn-lt"/>
+                          <a:ea typeface="+mn-ea"/>
+                          <a:cs typeface="+mn-cs"/>
+                        </a:rPr>
+                        <a:t>VARCHAR </a:t>
+                      </a:r>
+                      <a:endParaRPr lang="en-US" sz="4400" i="1" dirty="0" smtClean="0"/>
+                    </a:p>
+                  </a:txBody>
+                  <a:tcPr anchor="ctr"/>
+                </a:tc>
+                <a:tc>
+                  <a:txBody>
+                    <a:bodyPr/>
+                    <a:lstStyle/>
+                    <a:p>
+                      <a:pPr marL="0" marR="0" indent="0" algn="ctr" defTabSz="1234544" rtl="0" eaLnBrk="1" fontAlgn="auto" latinLnBrk="0" hangingPunct="1">
+                        <a:lnSpc>
+                          <a:spcPct val="100000"/>
+                        </a:lnSpc>
+                        <a:spcBef>
+                          <a:spcPts val="0"/>
+                        </a:spcBef>
+                        <a:spcAft>
+                          <a:spcPts val="0"/>
+                        </a:spcAft>
+                        <a:buClrTx/>
+                        <a:buSzTx/>
+                        <a:buFontTx/>
+                        <a:buNone/>
+                        <a:tabLst/>
+                        <a:defRPr/>
+                      </a:pPr>
+                      <a:r>
+                        <a:rPr lang="en-US" sz="3200" kern="1200" dirty="0" smtClean="0">
+                          <a:solidFill>
+                            <a:schemeClr val="dk1"/>
+                          </a:solidFill>
+                          <a:effectLst/>
+                          <a:latin typeface="+mn-lt"/>
+                          <a:ea typeface="+mn-ea"/>
+                          <a:cs typeface="+mn-cs"/>
+                        </a:rPr>
+                        <a:t>User metric’s title</a:t>
+                      </a:r>
+                    </a:p>
+                  </a:txBody>
+                  <a:tcPr anchor="ctr"/>
+                </a:tc>
+              </a:tr>
+              <a:tr h="370840">
+                <a:tc>
+                  <a:txBody>
+                    <a:bodyPr/>
+                    <a:lstStyle/>
+                    <a:p>
+                      <a:pPr marL="0" marR="0" indent="0" algn="ctr" defTabSz="1234544" rtl="0" eaLnBrk="1" fontAlgn="auto" latinLnBrk="0" hangingPunct="1">
+                        <a:lnSpc>
+                          <a:spcPct val="100000"/>
+                        </a:lnSpc>
+                        <a:spcBef>
+                          <a:spcPts val="0"/>
+                        </a:spcBef>
+                        <a:spcAft>
+                          <a:spcPts val="0"/>
+                        </a:spcAft>
+                        <a:buClrTx/>
+                        <a:buSzTx/>
+                        <a:buFontTx/>
+                        <a:buNone/>
+                        <a:tabLst/>
+                        <a:defRPr/>
+                      </a:pPr>
+                      <a:r>
+                        <a:rPr lang="en-US" sz="4894" kern="1200" dirty="0" smtClean="0">
+                          <a:solidFill>
+                            <a:schemeClr val="dk1"/>
+                          </a:solidFill>
+                          <a:effectLst/>
+                          <a:latin typeface="+mn-lt"/>
+                          <a:ea typeface="+mn-ea"/>
+                          <a:cs typeface="+mn-cs"/>
+                        </a:rPr>
+                        <a:t>Value </a:t>
+                      </a:r>
+                      <a:endParaRPr lang="en-US" dirty="0" smtClean="0"/>
+                    </a:p>
+                  </a:txBody>
+                  <a:tcPr anchor="ctr"/>
+                </a:tc>
+                <a:tc>
+                  <a:txBody>
+                    <a:bodyPr/>
+                    <a:lstStyle/>
+                    <a:p>
+                      <a:pPr marL="0" marR="0" indent="0" algn="ctr" defTabSz="1234544" rtl="0" eaLnBrk="1" fontAlgn="auto" latinLnBrk="0" hangingPunct="1">
+                        <a:lnSpc>
+                          <a:spcPct val="100000"/>
+                        </a:lnSpc>
+                        <a:spcBef>
+                          <a:spcPts val="0"/>
+                        </a:spcBef>
+                        <a:spcAft>
+                          <a:spcPts val="0"/>
+                        </a:spcAft>
+                        <a:buClrTx/>
+                        <a:buSzTx/>
+                        <a:buFontTx/>
+                        <a:buNone/>
+                        <a:tabLst/>
+                        <a:defRPr/>
+                      </a:pPr>
+                      <a:r>
+                        <a:rPr lang="en-US" sz="4400" i="1" kern="1200" dirty="0" smtClean="0">
+                          <a:solidFill>
+                            <a:schemeClr val="dk1"/>
+                          </a:solidFill>
+                          <a:effectLst/>
+                          <a:latin typeface="+mn-lt"/>
+                          <a:ea typeface="+mn-ea"/>
+                          <a:cs typeface="+mn-cs"/>
+                        </a:rPr>
+                        <a:t>TEXT </a:t>
+                      </a:r>
+                      <a:r>
+                        <a:rPr lang="is-IS" sz="4400" i="1" kern="1200" dirty="0" smtClean="0">
+                          <a:solidFill>
+                            <a:schemeClr val="dk1"/>
+                          </a:solidFill>
+                          <a:effectLst/>
+                          <a:latin typeface="+mn-lt"/>
+                          <a:ea typeface="+mn-ea"/>
+                          <a:cs typeface="+mn-cs"/>
+                        </a:rPr>
+                        <a:t> </a:t>
+                      </a:r>
+                      <a:endParaRPr lang="is-IS" sz="4400" i="1" dirty="0" smtClean="0"/>
+                    </a:p>
+                  </a:txBody>
+                  <a:tcPr anchor="ctr"/>
+                </a:tc>
+                <a:tc>
+                  <a:txBody>
+                    <a:bodyPr/>
+                    <a:lstStyle/>
+                    <a:p>
+                      <a:pPr marL="0" marR="0" indent="0" algn="ctr" defTabSz="1234544" rtl="0" eaLnBrk="1" fontAlgn="auto" latinLnBrk="0" hangingPunct="1">
+                        <a:lnSpc>
+                          <a:spcPct val="100000"/>
+                        </a:lnSpc>
+                        <a:spcBef>
+                          <a:spcPts val="0"/>
+                        </a:spcBef>
+                        <a:spcAft>
+                          <a:spcPts val="0"/>
+                        </a:spcAft>
+                        <a:buClrTx/>
+                        <a:buSzTx/>
+                        <a:buFontTx/>
+                        <a:buNone/>
+                        <a:tabLst/>
+                        <a:defRPr/>
+                      </a:pPr>
+                      <a:r>
+                        <a:rPr lang="en-US" sz="3200" kern="1200" dirty="0" smtClean="0">
+                          <a:solidFill>
+                            <a:schemeClr val="dk1"/>
+                          </a:solidFill>
+                          <a:effectLst/>
+                          <a:latin typeface="+mn-lt"/>
+                          <a:ea typeface="+mn-ea"/>
+                          <a:cs typeface="+mn-cs"/>
+                        </a:rPr>
+                        <a:t>JSON formatted list of metric id - coefficient</a:t>
+                      </a:r>
+                    </a:p>
+                  </a:txBody>
+                  <a:tcPr anchor="ctr"/>
+                </a:tc>
+              </a:tr>
+              <a:tr h="370840">
+                <a:tc>
+                  <a:txBody>
+                    <a:bodyPr/>
+                    <a:lstStyle/>
+                    <a:p>
+                      <a:pPr marL="0" marR="0" indent="0" algn="ctr" defTabSz="1234544" rtl="0" eaLnBrk="1" fontAlgn="auto" latinLnBrk="0" hangingPunct="1">
+                        <a:lnSpc>
+                          <a:spcPct val="100000"/>
+                        </a:lnSpc>
+                        <a:spcBef>
+                          <a:spcPts val="0"/>
+                        </a:spcBef>
+                        <a:spcAft>
+                          <a:spcPts val="0"/>
+                        </a:spcAft>
+                        <a:buClrTx/>
+                        <a:buSzTx/>
+                        <a:buFontTx/>
+                        <a:buNone/>
+                        <a:tabLst/>
+                        <a:defRPr/>
+                      </a:pPr>
+                      <a:r>
+                        <a:rPr lang="en-US" sz="4894" kern="1200" dirty="0" err="1" smtClean="0">
+                          <a:solidFill>
+                            <a:schemeClr val="dk1"/>
+                          </a:solidFill>
+                          <a:effectLst/>
+                          <a:latin typeface="+mn-lt"/>
+                          <a:ea typeface="+mn-ea"/>
+                          <a:cs typeface="+mn-cs"/>
+                        </a:rPr>
+                        <a:t>UserID</a:t>
+                      </a:r>
+                      <a:r>
+                        <a:rPr lang="en-US" sz="4894" kern="1200" dirty="0" smtClean="0">
+                          <a:solidFill>
+                            <a:schemeClr val="dk1"/>
+                          </a:solidFill>
+                          <a:effectLst/>
+                          <a:latin typeface="+mn-lt"/>
+                          <a:ea typeface="+mn-ea"/>
+                          <a:cs typeface="+mn-cs"/>
+                        </a:rPr>
+                        <a:t> </a:t>
+                      </a:r>
+                      <a:endParaRPr lang="en-US" dirty="0" smtClean="0"/>
+                    </a:p>
+                  </a:txBody>
+                  <a:tcPr anchor="ctr"/>
+                </a:tc>
+                <a:tc>
+                  <a:txBody>
+                    <a:bodyPr/>
+                    <a:lstStyle/>
+                    <a:p>
+                      <a:pPr marL="0" marR="0" indent="0" algn="ctr" defTabSz="1234544" rtl="0" eaLnBrk="1" fontAlgn="auto" latinLnBrk="0" hangingPunct="1">
+                        <a:lnSpc>
+                          <a:spcPct val="100000"/>
+                        </a:lnSpc>
+                        <a:spcBef>
+                          <a:spcPts val="0"/>
+                        </a:spcBef>
+                        <a:spcAft>
+                          <a:spcPts val="0"/>
+                        </a:spcAft>
+                        <a:buClrTx/>
+                        <a:buSzTx/>
+                        <a:buFontTx/>
+                        <a:buNone/>
+                        <a:tabLst/>
+                        <a:defRPr/>
+                      </a:pPr>
+                      <a:r>
+                        <a:rPr lang="en-US" sz="4400" i="1" dirty="0" smtClean="0"/>
+                        <a:t>INT </a:t>
+                      </a:r>
+                    </a:p>
+                  </a:txBody>
+                  <a:tcPr anchor="ctr"/>
+                </a:tc>
+                <a:tc>
+                  <a:txBody>
+                    <a:bodyPr/>
+                    <a:lstStyle/>
+                    <a:p>
+                      <a:pPr marL="0" marR="0" indent="0" algn="ctr" defTabSz="1234544" rtl="0" eaLnBrk="1" fontAlgn="auto" latinLnBrk="0" hangingPunct="1">
+                        <a:lnSpc>
+                          <a:spcPct val="100000"/>
+                        </a:lnSpc>
+                        <a:spcBef>
+                          <a:spcPts val="0"/>
+                        </a:spcBef>
+                        <a:spcAft>
+                          <a:spcPts val="0"/>
+                        </a:spcAft>
+                        <a:buClrTx/>
+                        <a:buSzTx/>
+                        <a:buFontTx/>
+                        <a:buNone/>
+                        <a:tabLst/>
+                        <a:defRPr/>
+                      </a:pPr>
+                      <a:r>
+                        <a:rPr lang="en-US" sz="3200" kern="1200" dirty="0" smtClean="0">
+                          <a:solidFill>
+                            <a:schemeClr val="dk1"/>
+                          </a:solidFill>
+                          <a:effectLst/>
+                          <a:latin typeface="+mn-lt"/>
+                          <a:ea typeface="+mn-ea"/>
+                          <a:cs typeface="+mn-cs"/>
+                        </a:rPr>
+                        <a:t>Id of a user - author of the user metric (foreign key)</a:t>
+                      </a:r>
+                    </a:p>
+                  </a:txBody>
+                  <a:tcPr anchor="ctr"/>
+                </a:tc>
+              </a:tr>
+            </a:tbl>
+          </a:graphicData>
+        </a:graphic>
+      </p:graphicFrame>
       <p:sp>
         <p:nvSpPr>
           <p:cNvPr id="4" name="TextBox 3"/>
@@ -2519,8 +3476,8 @@
         </p:nvSpPr>
         <p:spPr>
           <a:xfrm>
-            <a:off x="17497836" y="5181600"/>
-            <a:ext cx="9572213" cy="4524315"/>
+            <a:off x="2159540" y="19786060"/>
+            <a:ext cx="10797703" cy="3170099"/>
           </a:xfrm>
           <a:prstGeom prst="rect">
             <a:avLst/>
@@ -2534,101 +3491,704 @@
           <a:lstStyle/>
           <a:p>
             <a:r>
-              <a:rPr lang="en-US" sz="2400" b="1" dirty="0" smtClean="0"/>
-              <a:t>The </a:t>
-            </a:r>
-            <a:r>
-              <a:rPr lang="en-US" sz="2400" b="1" dirty="0"/>
-              <a:t>goal of this project was to expand the functionality of the </a:t>
-            </a:r>
-            <a:r>
-              <a:rPr lang="en-US" sz="2400" b="1" dirty="0" err="1" smtClean="0"/>
-              <a:t>MassachusettsTechnology</a:t>
-            </a:r>
-            <a:r>
-              <a:rPr lang="en-US" sz="2400" b="1" dirty="0"/>
-              <a:t>, Talent, and Economic Reporting System (MATTERS) for the </a:t>
-            </a:r>
-            <a:r>
-              <a:rPr lang="en-US" sz="2400" b="1" dirty="0" smtClean="0"/>
-              <a:t>Massachusetts </a:t>
-            </a:r>
-            <a:r>
-              <a:rPr lang="en-US" sz="2400" b="1" dirty="0"/>
-              <a:t>High Technology Council (MHTC), a </a:t>
-            </a:r>
-            <a:r>
-              <a:rPr lang="en-US" sz="2400" b="1" dirty="0" err="1"/>
-              <a:t>protechnology</a:t>
-            </a:r>
-            <a:r>
-              <a:rPr lang="en-US" sz="2400" b="1" dirty="0"/>
-              <a:t> advocacy </a:t>
-            </a:r>
-            <a:r>
-              <a:rPr lang="en-US" sz="2400" b="1" dirty="0" smtClean="0"/>
-              <a:t>and lobbyist </a:t>
-            </a:r>
-            <a:r>
-              <a:rPr lang="en-US" sz="2400" b="1" dirty="0"/>
-              <a:t>organization, through the addition of two new features an Application Program </a:t>
-            </a:r>
-            <a:r>
-              <a:rPr lang="en-US" sz="2400" b="1" dirty="0" smtClean="0"/>
-              <a:t>Interface (API</a:t>
-            </a:r>
-            <a:r>
-              <a:rPr lang="en-US" sz="2400" b="1" dirty="0"/>
-              <a:t>) and the Metric Builder. This API defines a </a:t>
-            </a:r>
-            <a:r>
-              <a:rPr lang="en-US" sz="2400" b="1" dirty="0" smtClean="0"/>
-              <a:t>communication protocol </a:t>
-            </a:r>
-            <a:r>
-              <a:rPr lang="en-US" sz="2400" b="1" dirty="0"/>
-              <a:t>between </a:t>
-            </a:r>
-            <a:r>
-              <a:rPr lang="en-US" sz="2400" b="1" dirty="0" smtClean="0"/>
-              <a:t>MATTERS and </a:t>
-            </a:r>
-            <a:r>
-              <a:rPr lang="en-US" sz="2400" b="1" dirty="0"/>
-              <a:t>other computational-based systems. We also wrote extensive API </a:t>
-            </a:r>
-            <a:r>
-              <a:rPr lang="en-US" sz="2400" b="1" dirty="0" smtClean="0"/>
-              <a:t>documentation</a:t>
-            </a:r>
-            <a:r>
-              <a:rPr lang="en-US" sz="2400" b="1" dirty="0"/>
-              <a:t>. The Metric Builder is a tool that lets users create their own metrics </a:t>
-            </a:r>
-            <a:r>
-              <a:rPr lang="en-US" sz="2400" b="1" dirty="0" smtClean="0"/>
-              <a:t>with their </a:t>
-            </a:r>
-            <a:r>
-              <a:rPr lang="en-US" sz="2400" b="1" dirty="0"/>
-              <a:t>own rules out of existing MATTERS metrics. Users are now able to define </a:t>
-            </a:r>
-            <a:r>
-              <a:rPr lang="en-US" sz="2400" b="1" dirty="0" smtClean="0"/>
-              <a:t>their own </a:t>
-            </a:r>
-            <a:r>
-              <a:rPr lang="en-US" sz="2400" b="1" dirty="0"/>
-              <a:t>indexes and track individual states' performance</a:t>
-            </a:r>
-            <a:r>
-              <a:rPr lang="en-US" sz="2400" b="1" dirty="0" smtClean="0"/>
-              <a:t>.</a:t>
-            </a:r>
-            <a:endParaRPr lang="en-US" sz="2400" b="1" dirty="0"/>
+              <a:rPr lang="en-US" sz="4000" dirty="0">
+                <a:solidFill>
+                  <a:srgbClr val="00B0F0"/>
+                </a:solidFill>
+                <a:latin typeface="Courier New" charset="0"/>
+                <a:ea typeface="Courier New" charset="0"/>
+                <a:cs typeface="Courier New" charset="0"/>
+              </a:rPr>
+              <a:t>/</a:t>
+            </a:r>
+            <a:r>
+              <a:rPr lang="en-US" sz="4000" dirty="0" err="1">
+                <a:solidFill>
+                  <a:srgbClr val="00B0F0"/>
+                </a:solidFill>
+                <a:latin typeface="Courier New" charset="0"/>
+                <a:ea typeface="Courier New" charset="0"/>
+                <a:cs typeface="Courier New" charset="0"/>
+              </a:rPr>
+              <a:t>api</a:t>
+            </a:r>
+            <a:r>
+              <a:rPr lang="en-US" sz="4000" dirty="0">
+                <a:solidFill>
+                  <a:srgbClr val="00B0F0"/>
+                </a:solidFill>
+                <a:latin typeface="Courier New" charset="0"/>
+                <a:ea typeface="Courier New" charset="0"/>
+                <a:cs typeface="Courier New" charset="0"/>
+              </a:rPr>
+              <a:t>/</a:t>
+            </a:r>
+            <a:r>
+              <a:rPr lang="en-US" sz="4000" dirty="0" err="1">
+                <a:solidFill>
+                  <a:srgbClr val="00B0F0"/>
+                </a:solidFill>
+                <a:latin typeface="Courier New" charset="0"/>
+                <a:ea typeface="Courier New" charset="0"/>
+                <a:cs typeface="Courier New" charset="0"/>
+              </a:rPr>
+              <a:t>data</a:t>
+            </a:r>
+            <a:r>
+              <a:rPr lang="en-US" sz="4000" dirty="0" err="1">
+                <a:latin typeface="Courier New" charset="0"/>
+                <a:ea typeface="Courier New" charset="0"/>
+                <a:cs typeface="Courier New" charset="0"/>
+              </a:rPr>
+              <a:t>?</a:t>
+            </a:r>
+            <a:r>
+              <a:rPr lang="en-US" sz="4000" dirty="0" err="1">
+                <a:solidFill>
+                  <a:srgbClr val="C00000"/>
+                </a:solidFill>
+                <a:latin typeface="Courier New" charset="0"/>
+                <a:ea typeface="Courier New" charset="0"/>
+                <a:cs typeface="Courier New" charset="0"/>
+              </a:rPr>
+              <a:t>metric</a:t>
+            </a:r>
+            <a:r>
+              <a:rPr lang="en-US" sz="4000" dirty="0">
+                <a:latin typeface="Courier New" charset="0"/>
+                <a:ea typeface="Courier New" charset="0"/>
+                <a:cs typeface="Courier New" charset="0"/>
+              </a:rPr>
+              <a:t>=</a:t>
+            </a:r>
+            <a:r>
+              <a:rPr lang="en-US" sz="4000" b="1" dirty="0">
+                <a:solidFill>
+                  <a:srgbClr val="7030A0"/>
+                </a:solidFill>
+                <a:latin typeface="Courier New" charset="0"/>
+                <a:ea typeface="Courier New" charset="0"/>
+                <a:cs typeface="Courier New" charset="0"/>
+              </a:rPr>
+              <a:t>{16,32}</a:t>
+            </a:r>
+            <a:r>
+              <a:rPr lang="en-US" sz="4000" dirty="0">
+                <a:latin typeface="Courier New" charset="0"/>
+                <a:ea typeface="Courier New" charset="0"/>
+                <a:cs typeface="Courier New" charset="0"/>
+              </a:rPr>
+              <a:t>&amp;</a:t>
+            </a:r>
+            <a:r>
+              <a:rPr lang="en-US" sz="4000" dirty="0">
+                <a:solidFill>
+                  <a:srgbClr val="C00000"/>
+                </a:solidFill>
+                <a:latin typeface="Courier New" charset="0"/>
+                <a:ea typeface="Courier New" charset="0"/>
+                <a:cs typeface="Courier New" charset="0"/>
+              </a:rPr>
+              <a:t>state</a:t>
+            </a:r>
+            <a:r>
+              <a:rPr lang="en-US" sz="4000" dirty="0">
+                <a:latin typeface="Courier New" charset="0"/>
+                <a:ea typeface="Courier New" charset="0"/>
+                <a:cs typeface="Courier New" charset="0"/>
+              </a:rPr>
+              <a:t>=</a:t>
+            </a:r>
+            <a:r>
+              <a:rPr lang="en-US" sz="4000" b="1" dirty="0" err="1">
+                <a:solidFill>
+                  <a:srgbClr val="7030A0"/>
+                </a:solidFill>
+                <a:latin typeface="Courier New" charset="0"/>
+                <a:ea typeface="Courier New" charset="0"/>
+                <a:cs typeface="Courier New" charset="0"/>
+              </a:rPr>
+              <a:t>MA</a:t>
+            </a:r>
+            <a:r>
+              <a:rPr lang="en-US" sz="4000" dirty="0" err="1">
+                <a:latin typeface="Courier New" charset="0"/>
+                <a:ea typeface="Courier New" charset="0"/>
+                <a:cs typeface="Courier New" charset="0"/>
+              </a:rPr>
+              <a:t>&amp;</a:t>
+            </a:r>
+            <a:r>
+              <a:rPr lang="en-US" sz="4000" dirty="0" err="1">
+                <a:solidFill>
+                  <a:srgbClr val="C00000"/>
+                </a:solidFill>
+                <a:latin typeface="Courier New" charset="0"/>
+                <a:ea typeface="Courier New" charset="0"/>
+                <a:cs typeface="Courier New" charset="0"/>
+              </a:rPr>
+              <a:t>year</a:t>
+            </a:r>
+            <a:r>
+              <a:rPr lang="en-US" sz="4000" dirty="0">
+                <a:latin typeface="Courier New" charset="0"/>
+                <a:ea typeface="Courier New" charset="0"/>
+                <a:cs typeface="Courier New" charset="0"/>
+              </a:rPr>
+              <a:t>=</a:t>
+            </a:r>
+            <a:r>
+              <a:rPr lang="en-US" sz="4000" b="1" dirty="0">
+                <a:solidFill>
+                  <a:srgbClr val="7030A0"/>
+                </a:solidFill>
+                <a:latin typeface="Courier New" charset="0"/>
+                <a:ea typeface="Courier New" charset="0"/>
+                <a:cs typeface="Courier New" charset="0"/>
+              </a:rPr>
+              <a:t>∗</a:t>
+            </a:r>
+            <a:r>
+              <a:rPr lang="en-US" sz="4000" dirty="0">
+                <a:latin typeface="Courier New" charset="0"/>
+                <a:ea typeface="Courier New" charset="0"/>
+                <a:cs typeface="Courier New" charset="0"/>
+              </a:rPr>
+              <a:t>&amp;</a:t>
+            </a:r>
+            <a:r>
+              <a:rPr lang="en-US" sz="4000" dirty="0" err="1">
+                <a:solidFill>
+                  <a:srgbClr val="C00000"/>
+                </a:solidFill>
+                <a:latin typeface="Courier New" charset="0"/>
+                <a:ea typeface="Courier New" charset="0"/>
+                <a:cs typeface="Courier New" charset="0"/>
+              </a:rPr>
+              <a:t>a</a:t>
+            </a:r>
+            <a:r>
+              <a:rPr lang="en-US" sz="4000" dirty="0" err="1">
+                <a:solidFill>
+                  <a:srgbClr val="C00000"/>
+                </a:solidFill>
+                <a:latin typeface="Courier New" charset="0"/>
+                <a:ea typeface="Courier New" charset="0"/>
+                <a:cs typeface="Courier New" charset="0"/>
+              </a:rPr>
+              <a:t>piKey</a:t>
+            </a:r>
+            <a:r>
+              <a:rPr lang="en-US" sz="4000" dirty="0" smtClean="0">
+                <a:latin typeface="Courier New" charset="0"/>
+                <a:ea typeface="Courier New" charset="0"/>
+                <a:cs typeface="Courier New" charset="0"/>
+              </a:rPr>
+              <a:t>=</a:t>
+            </a:r>
+            <a:r>
+              <a:rPr lang="en-US" sz="4000" b="1" dirty="0">
+                <a:solidFill>
+                  <a:srgbClr val="7030A0"/>
+                </a:solidFill>
+                <a:latin typeface="Courier New" charset="0"/>
+                <a:ea typeface="Courier New" charset="0"/>
+                <a:cs typeface="Courier New" charset="0"/>
+              </a:rPr>
+              <a:t>key</a:t>
+            </a:r>
+          </a:p>
+          <a:p>
+            <a:endParaRPr lang="en-US" sz="4000" dirty="0">
+              <a:latin typeface="Courier New" charset="0"/>
+              <a:ea typeface="Courier New" charset="0"/>
+              <a:cs typeface="Courier New" charset="0"/>
+            </a:endParaRPr>
+          </a:p>
+          <a:p>
+            <a:r>
+              <a:rPr lang="en-US" sz="4000" dirty="0">
+                <a:solidFill>
+                  <a:srgbClr val="00B0F0"/>
+                </a:solidFill>
+                <a:latin typeface="Courier New" charset="0"/>
+                <a:ea typeface="Courier New" charset="0"/>
+                <a:cs typeface="Courier New" charset="0"/>
+              </a:rPr>
+              <a:t>/</a:t>
+            </a:r>
+            <a:r>
+              <a:rPr lang="en-US" sz="4000" dirty="0" err="1">
+                <a:solidFill>
+                  <a:srgbClr val="00B0F0"/>
+                </a:solidFill>
+                <a:latin typeface="Courier New" charset="0"/>
+                <a:ea typeface="Courier New" charset="0"/>
+                <a:cs typeface="Courier New" charset="0"/>
+              </a:rPr>
+              <a:t>api</a:t>
+            </a:r>
+            <a:r>
+              <a:rPr lang="en-US" sz="4000" dirty="0">
+                <a:solidFill>
+                  <a:srgbClr val="00B0F0"/>
+                </a:solidFill>
+                <a:latin typeface="Courier New" charset="0"/>
+                <a:ea typeface="Courier New" charset="0"/>
+                <a:cs typeface="Courier New" charset="0"/>
+              </a:rPr>
+              <a:t>/</a:t>
+            </a:r>
+            <a:r>
+              <a:rPr lang="en-US" sz="4000" dirty="0" err="1">
+                <a:solidFill>
+                  <a:srgbClr val="00B0F0"/>
+                </a:solidFill>
+                <a:latin typeface="Courier New" charset="0"/>
+                <a:ea typeface="Courier New" charset="0"/>
+                <a:cs typeface="Courier New" charset="0"/>
+              </a:rPr>
+              <a:t>metrics</a:t>
+            </a:r>
+            <a:r>
+              <a:rPr lang="en-US" sz="4000" dirty="0" err="1">
+                <a:latin typeface="Courier New" charset="0"/>
+                <a:ea typeface="Courier New" charset="0"/>
+                <a:cs typeface="Courier New" charset="0"/>
+              </a:rPr>
+              <a:t>?</a:t>
+            </a:r>
+            <a:r>
+              <a:rPr lang="en-US" sz="4000" dirty="0" err="1">
+                <a:solidFill>
+                  <a:srgbClr val="C00000"/>
+                </a:solidFill>
+                <a:latin typeface="Courier New" charset="0"/>
+                <a:ea typeface="Courier New" charset="0"/>
+                <a:cs typeface="Courier New" charset="0"/>
+              </a:rPr>
+              <a:t>apiKey</a:t>
+            </a:r>
+            <a:r>
+              <a:rPr lang="en-US" sz="4000" dirty="0">
+                <a:latin typeface="Courier New" charset="0"/>
+                <a:ea typeface="Courier New" charset="0"/>
+                <a:cs typeface="Courier New" charset="0"/>
+              </a:rPr>
+              <a:t>=</a:t>
+            </a:r>
+            <a:r>
+              <a:rPr lang="en-US" sz="4000" b="1" dirty="0">
+                <a:solidFill>
+                  <a:srgbClr val="7030A0"/>
+                </a:solidFill>
+                <a:latin typeface="Courier New" charset="0"/>
+                <a:ea typeface="Courier New" charset="0"/>
+                <a:cs typeface="Courier New" charset="0"/>
+              </a:rPr>
+              <a:t>key</a:t>
+            </a:r>
+            <a:r>
+              <a:rPr lang="en-US" sz="4000" dirty="0">
+                <a:latin typeface="Courier New" charset="0"/>
+                <a:ea typeface="Courier New" charset="0"/>
+                <a:cs typeface="Courier New" charset="0"/>
+              </a:rPr>
+              <a:t> </a:t>
+            </a:r>
+            <a:endParaRPr lang="en-US" sz="4000" dirty="0">
+              <a:latin typeface="Courier New" charset="0"/>
+              <a:ea typeface="Courier New" charset="0"/>
+              <a:cs typeface="Courier New" charset="0"/>
+            </a:endParaRPr>
+          </a:p>
+          <a:p>
+            <a:r>
+              <a:rPr lang="en-US" sz="4000" dirty="0">
+                <a:solidFill>
+                  <a:srgbClr val="00B0F0"/>
+                </a:solidFill>
+                <a:latin typeface="Courier New" charset="0"/>
+                <a:ea typeface="Courier New" charset="0"/>
+                <a:cs typeface="Courier New" charset="0"/>
+              </a:rPr>
+              <a:t>/</a:t>
+            </a:r>
+            <a:r>
+              <a:rPr lang="en-US" sz="4000" dirty="0" err="1">
+                <a:solidFill>
+                  <a:srgbClr val="00B0F0"/>
+                </a:solidFill>
+                <a:latin typeface="Courier New" charset="0"/>
+                <a:ea typeface="Courier New" charset="0"/>
+                <a:cs typeface="Courier New" charset="0"/>
+              </a:rPr>
+              <a:t>api</a:t>
+            </a:r>
+            <a:r>
+              <a:rPr lang="en-US" sz="4000" dirty="0">
+                <a:solidFill>
+                  <a:srgbClr val="00B0F0"/>
+                </a:solidFill>
+                <a:latin typeface="Courier New" charset="0"/>
+                <a:ea typeface="Courier New" charset="0"/>
+                <a:cs typeface="Courier New" charset="0"/>
+              </a:rPr>
+              <a:t>/</a:t>
+            </a:r>
+            <a:r>
+              <a:rPr lang="en-US" sz="4000" dirty="0" err="1">
+                <a:solidFill>
+                  <a:srgbClr val="00B0F0"/>
+                </a:solidFill>
+                <a:latin typeface="Courier New" charset="0"/>
+                <a:ea typeface="Courier New" charset="0"/>
+                <a:cs typeface="Courier New" charset="0"/>
+              </a:rPr>
+              <a:t>states</a:t>
+            </a:r>
+            <a:r>
+              <a:rPr lang="en-US" sz="4000" dirty="0" err="1">
+                <a:latin typeface="Courier New" charset="0"/>
+                <a:ea typeface="Courier New" charset="0"/>
+                <a:cs typeface="Courier New" charset="0"/>
+              </a:rPr>
+              <a:t>?</a:t>
+            </a:r>
+            <a:r>
+              <a:rPr lang="en-US" sz="4000" dirty="0" err="1">
+                <a:solidFill>
+                  <a:srgbClr val="C00000"/>
+                </a:solidFill>
+                <a:latin typeface="Courier New" charset="0"/>
+                <a:ea typeface="Courier New" charset="0"/>
+                <a:cs typeface="Courier New" charset="0"/>
+              </a:rPr>
+              <a:t>apiKey</a:t>
+            </a:r>
+            <a:r>
+              <a:rPr lang="en-US" sz="4000" dirty="0">
+                <a:latin typeface="Courier New" charset="0"/>
+                <a:ea typeface="Courier New" charset="0"/>
+                <a:cs typeface="Courier New" charset="0"/>
+              </a:rPr>
+              <a:t>=</a:t>
+            </a:r>
+            <a:r>
+              <a:rPr lang="en-US" sz="4000" b="1" dirty="0">
+                <a:solidFill>
+                  <a:srgbClr val="7030A0"/>
+                </a:solidFill>
+                <a:latin typeface="Courier New" charset="0"/>
+                <a:ea typeface="Courier New" charset="0"/>
+                <a:cs typeface="Courier New" charset="0"/>
+              </a:rPr>
+              <a:t>key</a:t>
+            </a:r>
+            <a:r>
+              <a:rPr lang="en-US" sz="4000" dirty="0">
+                <a:latin typeface="Courier New" charset="0"/>
+                <a:ea typeface="Courier New" charset="0"/>
+                <a:cs typeface="Courier New" charset="0"/>
+              </a:rPr>
+              <a:t> </a:t>
+            </a:r>
+            <a:endParaRPr lang="en-US" sz="4000" dirty="0">
+              <a:latin typeface="Courier New" charset="0"/>
+              <a:ea typeface="Courier New" charset="0"/>
+              <a:cs typeface="Courier New" charset="0"/>
+            </a:endParaRPr>
           </a:p>
         </p:txBody>
       </p:sp>
+      <p:sp>
+        <p:nvSpPr>
+          <p:cNvPr id="5" name="TextBox 4"/>
+          <p:cNvSpPr txBox="1"/>
+          <p:nvPr/>
+        </p:nvSpPr>
+        <p:spPr>
+          <a:xfrm>
+            <a:off x="15938194" y="5389135"/>
+            <a:ext cx="12014811" cy="4401205"/>
+          </a:xfrm>
+          <a:prstGeom prst="rect">
+            <a:avLst/>
+          </a:prstGeom>
+          <a:noFill/>
+        </p:spPr>
+        <p:txBody>
+          <a:bodyPr wrap="square" rtlCol="0">
+            <a:spAutoFit/>
+          </a:bodyPr>
+          <a:lstStyle/>
+          <a:p>
+            <a:pPr algn="just"/>
+            <a:r>
+              <a:rPr lang="en-US" sz="2800" dirty="0"/>
+              <a:t>The goal of this project was to expand the functionality of the Massachusetts Technology, Talent, and Economic Reporting System (MATTERS) for the Massachusetts High </a:t>
+            </a:r>
+            <a:r>
+              <a:rPr lang="en-US" sz="2800" dirty="0" smtClean="0"/>
+              <a:t>Technology </a:t>
+            </a:r>
+            <a:r>
+              <a:rPr lang="en-US" sz="2800" dirty="0"/>
+              <a:t>Council (MHTC), a </a:t>
+            </a:r>
+            <a:r>
+              <a:rPr lang="en-US" sz="2800" dirty="0" err="1"/>
+              <a:t>protechnology</a:t>
+            </a:r>
+            <a:r>
+              <a:rPr lang="en-US" sz="2800" dirty="0"/>
+              <a:t> advocacy and lobbyist organization, with two new features - Application Program Interface (API) and Metric Builder. API defines a </a:t>
+            </a:r>
+            <a:r>
+              <a:rPr lang="en-US" sz="2800" dirty="0" smtClean="0"/>
+              <a:t>communication </a:t>
+            </a:r>
+            <a:r>
+              <a:rPr lang="en-US" sz="2800" dirty="0"/>
+              <a:t>protocol between MATTERS and other computational-based systems. We also wrote an extensive API documentation. Metric Builder is a tool that lets users create own metrics with own rules out of existing MATTERS metrics. Users are now able to define their own indexes and track individual states’ performance. </a:t>
+            </a:r>
+            <a:endParaRPr lang="en-US" sz="2800" dirty="0"/>
+          </a:p>
+        </p:txBody>
+      </p:sp>
+      <mc:AlternateContent xmlns:mc="http://schemas.openxmlformats.org/markup-compatibility/2006">
+        <mc:Choice xmlns:a14="http://schemas.microsoft.com/office/drawing/2010/main" Requires="a14">
+          <p:sp>
+            <p:nvSpPr>
+              <p:cNvPr id="6" name="TextBox 5"/>
+              <p:cNvSpPr txBox="1"/>
+              <p:nvPr/>
+            </p:nvSpPr>
+            <p:spPr>
+              <a:xfrm>
+                <a:off x="32016724" y="27265622"/>
+                <a:ext cx="8875828" cy="2896627"/>
+              </a:xfrm>
+              <a:prstGeom prst="rect">
+                <a:avLst/>
+              </a:prstGeom>
+              <a:noFill/>
+            </p:spPr>
+            <p:txBody>
+              <a:bodyPr wrap="none" lIns="0" tIns="0" rIns="0" bIns="0" rtlCol="0">
+                <a:spAutoFit/>
+              </a:bodyPr>
+              <a:lstStyle/>
+              <a:p>
+                <a14:m>
+                  <m:oMathPara xmlns:m="http://schemas.openxmlformats.org/officeDocument/2006/math">
+                    <m:oMathParaPr>
+                      <m:jc m:val="centerGroup"/>
+                    </m:oMathParaPr>
+                    <m:oMath xmlns:m="http://schemas.openxmlformats.org/officeDocument/2006/math">
+                      <m:sSub>
+                        <m:sSubPr>
+                          <m:ctrlPr>
+                            <a:rPr lang="en-US" sz="9600" b="0" i="1" smtClean="0">
+                              <a:latin typeface="Cambria Math" charset="0"/>
+                            </a:rPr>
+                          </m:ctrlPr>
+                        </m:sSubPr>
+                        <m:e>
+                          <m:r>
+                            <a:rPr lang="en-US" sz="9600" b="0" i="1" smtClean="0">
+                              <a:latin typeface="Cambria Math" charset="0"/>
+                            </a:rPr>
+                            <m:t>𝑉</m:t>
+                          </m:r>
+                        </m:e>
+                        <m:sub>
+                          <m:r>
+                            <a:rPr lang="en-US" sz="9600" b="0" i="1" smtClean="0">
+                              <a:latin typeface="Cambria Math" charset="0"/>
+                            </a:rPr>
+                            <m:t>𝑦</m:t>
+                          </m:r>
+                        </m:sub>
+                      </m:sSub>
+                      <m:r>
+                        <a:rPr lang="en-US" sz="9600" b="0" i="1" smtClean="0">
+                          <a:latin typeface="Cambria Math" charset="0"/>
+                        </a:rPr>
+                        <m:t>=</m:t>
+                      </m:r>
+                      <m:f>
+                        <m:fPr>
+                          <m:ctrlPr>
+                            <a:rPr lang="bg-BG" sz="9600" b="0" i="1" smtClean="0">
+                              <a:latin typeface="Cambria Math" charset="0"/>
+                            </a:rPr>
+                          </m:ctrlPr>
+                        </m:fPr>
+                        <m:num>
+                          <m:nary>
+                            <m:naryPr>
+                              <m:chr m:val="∑"/>
+                              <m:limLoc m:val="subSup"/>
+                              <m:supHide m:val="on"/>
+                              <m:ctrlPr>
+                                <a:rPr lang="bg-BG" sz="9600" b="0" i="1" smtClean="0">
+                                  <a:latin typeface="Cambria Math" charset="0"/>
+                                </a:rPr>
+                              </m:ctrlPr>
+                            </m:naryPr>
+                            <m:sub>
+                              <m:r>
+                                <m:rPr>
+                                  <m:brk m:alnAt="9"/>
+                                </m:rPr>
+                                <a:rPr lang="en-US" sz="9600" b="0" i="1" smtClean="0">
+                                  <a:latin typeface="Cambria Math" charset="0"/>
+                                </a:rPr>
+                                <m:t>𝑖</m:t>
+                              </m:r>
+                              <m:r>
+                                <a:rPr lang="en-US" sz="9600" b="0" i="1" smtClean="0">
+                                  <a:latin typeface="Cambria Math" charset="0"/>
+                                  <a:ea typeface="Cambria Math" charset="0"/>
+                                  <a:cs typeface="Cambria Math" charset="0"/>
+                                </a:rPr>
+                                <m:t>∈</m:t>
+                              </m:r>
+                              <m:r>
+                                <a:rPr lang="en-US" sz="9600" b="0" i="1" smtClean="0">
+                                  <a:latin typeface="Cambria Math" charset="0"/>
+                                  <a:ea typeface="Cambria Math" charset="0"/>
+                                  <a:cs typeface="Cambria Math" charset="0"/>
+                                </a:rPr>
+                                <m:t>𝐼</m:t>
+                              </m:r>
+                            </m:sub>
+                            <m:sup/>
+                            <m:e>
+                              <m:sSub>
+                                <m:sSubPr>
+                                  <m:ctrlPr>
+                                    <a:rPr lang="en-US" sz="9600" b="0" i="1" smtClean="0">
+                                      <a:latin typeface="Cambria Math" charset="0"/>
+                                    </a:rPr>
+                                  </m:ctrlPr>
+                                </m:sSubPr>
+                                <m:e>
+                                  <m:r>
+                                    <a:rPr lang="en-US" sz="9600" b="0" i="1" smtClean="0">
+                                      <a:latin typeface="Cambria Math" charset="0"/>
+                                    </a:rPr>
+                                    <m:t>𝑣</m:t>
+                                  </m:r>
+                                </m:e>
+                                <m:sub>
+                                  <m:r>
+                                    <a:rPr lang="en-US" sz="9600" b="0" i="1" smtClean="0">
+                                      <a:latin typeface="Cambria Math" charset="0"/>
+                                    </a:rPr>
+                                    <m:t>𝑖𝑦</m:t>
+                                  </m:r>
+                                </m:sub>
+                              </m:sSub>
+                              <m:r>
+                                <a:rPr lang="en-US" sz="9600" b="0" i="1" smtClean="0">
+                                  <a:latin typeface="Cambria Math" charset="0"/>
+                                  <a:ea typeface="Cambria Math" charset="0"/>
+                                  <a:cs typeface="Cambria Math" charset="0"/>
+                                </a:rPr>
+                                <m:t>∙</m:t>
+                              </m:r>
+                              <m:sSub>
+                                <m:sSubPr>
+                                  <m:ctrlPr>
+                                    <a:rPr lang="en-US" sz="9600" b="0" i="1" smtClean="0">
+                                      <a:latin typeface="Cambria Math" charset="0"/>
+                                      <a:ea typeface="Cambria Math" charset="0"/>
+                                      <a:cs typeface="Cambria Math" charset="0"/>
+                                    </a:rPr>
+                                  </m:ctrlPr>
+                                </m:sSubPr>
+                                <m:e>
+                                  <m:r>
+                                    <a:rPr lang="en-US" sz="9600" b="0" i="1" smtClean="0">
+                                      <a:latin typeface="Cambria Math" charset="0"/>
+                                      <a:ea typeface="Cambria Math" charset="0"/>
+                                      <a:cs typeface="Cambria Math" charset="0"/>
+                                    </a:rPr>
+                                    <m:t>𝑐</m:t>
+                                  </m:r>
+                                </m:e>
+                                <m:sub>
+                                  <m:r>
+                                    <a:rPr lang="en-US" sz="9600" b="0" i="1" smtClean="0">
+                                      <a:latin typeface="Cambria Math" charset="0"/>
+                                      <a:ea typeface="Cambria Math" charset="0"/>
+                                      <a:cs typeface="Cambria Math" charset="0"/>
+                                    </a:rPr>
+                                    <m:t>𝑖</m:t>
+                                  </m:r>
+                                </m:sub>
+                              </m:sSub>
+                            </m:e>
+                          </m:nary>
+                        </m:num>
+                        <m:den>
+                          <m:r>
+                            <a:rPr lang="en-US" sz="9600" b="0" i="1" smtClean="0">
+                              <a:latin typeface="Cambria Math" charset="0"/>
+                            </a:rPr>
+                            <m:t>100</m:t>
+                          </m:r>
+                        </m:den>
+                      </m:f>
+                    </m:oMath>
+                  </m:oMathPara>
+                </a14:m>
+                <a:endParaRPr lang="en-US" sz="9600" dirty="0"/>
+              </a:p>
+            </p:txBody>
+          </p:sp>
+        </mc:Choice>
+        <mc:Fallback>
+          <p:sp>
+            <p:nvSpPr>
+              <p:cNvPr id="6" name="TextBox 5"/>
+              <p:cNvSpPr txBox="1">
+                <a:spLocks noRot="1" noChangeAspect="1" noMove="1" noResize="1" noEditPoints="1" noAdjustHandles="1" noChangeArrowheads="1" noChangeShapeType="1" noTextEdit="1"/>
+              </p:cNvSpPr>
+              <p:nvPr/>
+            </p:nvSpPr>
+            <p:spPr>
+              <a:xfrm>
+                <a:off x="32016724" y="27265622"/>
+                <a:ext cx="8875828" cy="2896627"/>
+              </a:xfrm>
+              <a:prstGeom prst="rect">
+                <a:avLst/>
+              </a:prstGeom>
+              <a:blipFill rotWithShape="0">
+                <a:blip r:embed="rId9"/>
+                <a:stretch>
+                  <a:fillRect/>
+                </a:stretch>
+              </a:blipFill>
+            </p:spPr>
+            <p:txBody>
+              <a:bodyPr/>
+              <a:lstStyle/>
+              <a:p>
+                <a:r>
+                  <a:rPr lang="en-US">
+                    <a:noFill/>
+                  </a:rPr>
+                  <a:t> </a:t>
+                </a:r>
+              </a:p>
+            </p:txBody>
+          </p:sp>
+        </mc:Fallback>
+      </mc:AlternateContent>
     </p:spTree>
     <p:extLst>
       <p:ext uri="{BB962C8B-B14F-4D97-AF65-F5344CB8AC3E}">

--- a/poster.pptx
+++ b/poster.pptx
@@ -255,7 +255,7 @@
           <a:p>
             <a:fld id="{A61186C1-2136-4F5C-81C5-7E7D5B4818E4}" type="datetimeFigureOut">
               <a:rPr lang="en-US" smtClean="0"/>
-              <a:t>4/11/16</a:t>
+              <a:t>4/11/2016</a:t>
             </a:fld>
             <a:endParaRPr lang="en-US"/>
           </a:p>
@@ -437,7 +437,7 @@
               <a:pPr>
                 <a:defRPr/>
               </a:pPr>
-              <a:t>4/11/16</a:t>
+              <a:t>4/11/2016</a:t>
             </a:fld>
             <a:endParaRPr lang="en-US"/>
           </a:p>
@@ -1666,8 +1666,8 @@
         </p:nvSpPr>
         <p:spPr bwMode="auto">
           <a:xfrm>
-            <a:off x="1687356" y="11929041"/>
-            <a:ext cx="12301997" cy="6478838"/>
+            <a:off x="1687356" y="11929040"/>
+            <a:ext cx="12301997" cy="7990533"/>
           </a:xfrm>
           <a:prstGeom prst="roundRect">
             <a:avLst>
@@ -1725,7 +1725,7 @@
         </p:nvSpPr>
         <p:spPr bwMode="auto">
           <a:xfrm>
-            <a:off x="1687355" y="18641554"/>
+            <a:off x="1687355" y="20366762"/>
             <a:ext cx="12301998" cy="4980841"/>
           </a:xfrm>
           <a:prstGeom prst="roundRect">
@@ -1780,8 +1780,8 @@
         </p:nvSpPr>
         <p:spPr bwMode="auto">
           <a:xfrm>
-            <a:off x="15628179" y="20993433"/>
-            <a:ext cx="12432742" cy="5739551"/>
+            <a:off x="15628179" y="20545530"/>
+            <a:ext cx="12432742" cy="7065573"/>
           </a:xfrm>
           <a:prstGeom prst="roundRect">
             <a:avLst>
@@ -1819,7 +1819,7 @@
             <a:pPr algn="ctr"/>
             <a:r>
               <a:rPr lang="en-US" sz="4400" b="1" dirty="0" smtClean="0"/>
-              <a:t>Testing Data</a:t>
+              <a:t>User Study Testing Results (1-5 Scale)</a:t>
             </a:r>
             <a:endParaRPr lang="en-US" sz="4400" b="1" dirty="0"/>
           </a:p>
@@ -1989,7 +1989,7 @@
           <a:p>
             <a:pPr algn="ctr"/>
             <a:r>
-              <a:rPr lang="en-US" sz="4400" b="1" dirty="0" smtClean="0"/>
+              <a:rPr lang="en-US" sz="4400" b="1" smtClean="0"/>
               <a:t>Features</a:t>
             </a:r>
             <a:endParaRPr lang="en-US" sz="4400" b="1" dirty="0"/>
@@ -2245,8 +2245,8 @@
         </p:nvSpPr>
         <p:spPr bwMode="auto">
           <a:xfrm>
-            <a:off x="1788404" y="23863209"/>
-            <a:ext cx="12301998" cy="7495789"/>
+            <a:off x="1726974" y="25767826"/>
+            <a:ext cx="12301998" cy="5558288"/>
           </a:xfrm>
           <a:prstGeom prst="roundRect">
             <a:avLst>
@@ -2283,10 +2283,9 @@
           <a:p>
             <a:pPr algn="ctr"/>
             <a:r>
-              <a:rPr lang="en-US" sz="4400" b="1" dirty="0" smtClean="0"/>
+              <a:rPr lang="en-US" sz="4400" b="1" smtClean="0"/>
               <a:t>Motivation</a:t>
             </a:r>
-            <a:endParaRPr lang="en-US" sz="4400" b="1" dirty="0"/>
           </a:p>
           <a:p>
             <a:pPr algn="ctr"/>
@@ -2334,7 +2333,7 @@
         </p:blipFill>
         <p:spPr>
           <a:xfrm>
-            <a:off x="14516762" y="10625723"/>
+            <a:off x="14516762" y="10396534"/>
             <a:ext cx="14658569" cy="9953961"/>
           </a:xfrm>
           <a:prstGeom prst="rect">
@@ -2382,8 +2381,8 @@
         </p:nvSpPr>
         <p:spPr bwMode="auto">
           <a:xfrm>
-            <a:off x="15938194" y="27171810"/>
-            <a:ext cx="12014811" cy="4188872"/>
+            <a:off x="16010413" y="27806138"/>
+            <a:ext cx="12014811" cy="4975103"/>
           </a:xfrm>
           <a:prstGeom prst="roundRect">
             <a:avLst>
@@ -2496,13 +2495,13 @@
           <p:nvPr>
             <p:extLst>
               <p:ext uri="{D42A27DB-BD31-4B8C-83A1-F6EECF244321}">
-                <p14:modId xmlns:p14="http://schemas.microsoft.com/office/powerpoint/2010/main" val="509684405"/>
+                <p14:modId xmlns:p14="http://schemas.microsoft.com/office/powerpoint/2010/main" val="1027297105"/>
               </p:ext>
             </p:extLst>
           </p:nvPr>
         </p:nvGraphicFramePr>
         <p:xfrm>
-          <a:off x="1892378" y="13603810"/>
+          <a:off x="1891994" y="14108640"/>
           <a:ext cx="11891952" cy="3808222"/>
         </p:xfrm>
         <a:graphic>
@@ -3476,7 +3475,7 @@
         </p:nvSpPr>
         <p:spPr>
           <a:xfrm>
-            <a:off x="2159540" y="19786060"/>
+            <a:off x="2220673" y="21560533"/>
             <a:ext cx="10797703" cy="3170099"/>
           </a:xfrm>
           <a:prstGeom prst="rect">
@@ -3665,18 +3664,7 @@
                 <a:ea typeface="Courier New" charset="0"/>
                 <a:cs typeface="Courier New" charset="0"/>
               </a:rPr>
-              <a:t>a</a:t>
-            </a:r>
-            <a:r>
-              <a:rPr lang="en-US" sz="4000" dirty="0" err="1">
-                <a:solidFill>
-                  <a:srgbClr val="C00000"/>
-                </a:solidFill>
-                <a:latin typeface="Courier New" charset="0"/>
-                <a:ea typeface="Courier New" charset="0"/>
-                <a:cs typeface="Courier New" charset="0"/>
-              </a:rPr>
-              <a:t>piKey</a:t>
+              <a:t>apiKey</a:t>
             </a:r>
             <a:r>
               <a:rPr lang="en-US" sz="4000" dirty="0" smtClean="0">
@@ -3796,11 +3784,6 @@
               </a:rPr>
               <a:t> </a:t>
             </a:r>
-            <a:endParaRPr lang="en-US" sz="4000" dirty="0">
-              <a:latin typeface="Courier New" charset="0"/>
-              <a:ea typeface="Courier New" charset="0"/>
-              <a:cs typeface="Courier New" charset="0"/>
-            </a:endParaRPr>
           </a:p>
           <a:p>
             <a:r>
@@ -3893,11 +3876,6 @@
               </a:rPr>
               <a:t> </a:t>
             </a:r>
-            <a:endParaRPr lang="en-US" sz="4000" dirty="0">
-              <a:latin typeface="Courier New" charset="0"/>
-              <a:ea typeface="Courier New" charset="0"/>
-              <a:cs typeface="Courier New" charset="0"/>
-            </a:endParaRPr>
           </a:p>
         </p:txBody>
       </p:sp>
@@ -3952,12 +3930,11 @@
               <a:rPr lang="en-US" sz="2800" dirty="0"/>
               <a:t>protocol between MATTERS and other computational-based systems. We also wrote an extensive API documentation. Metric Builder is a tool that lets users create own metrics with own rules out of existing MATTERS metrics. Users are now able to define their own indexes and track individual states’ performance. </a:t>
             </a:r>
-            <a:endParaRPr lang="en-US" sz="2800" dirty="0"/>
           </a:p>
         </p:txBody>
       </p:sp>
-      <mc:AlternateContent xmlns:mc="http://schemas.openxmlformats.org/markup-compatibility/2006">
-        <mc:Choice xmlns:a14="http://schemas.microsoft.com/office/drawing/2010/main" Requires="a14">
+      <mc:AlternateContent xmlns:mc="http://schemas.openxmlformats.org/markup-compatibility/2006" xmlns:a14="http://schemas.microsoft.com/office/drawing/2010/main">
+        <mc:Choice Requires="a14">
           <p:sp>
             <p:nvSpPr>
               <p:cNvPr id="6" name="TextBox 5"/>
@@ -3980,6 +3957,7 @@
               </a:bodyPr>
               <a:lstStyle/>
               <a:p>
+                <a:pPr/>
                 <a14:m>
                   <m:oMathPara xmlns:m="http://schemas.openxmlformats.org/officeDocument/2006/math">
                     <m:oMathParaPr>
@@ -3990,7 +3968,7 @@
                         <m:sSubPr>
                           <m:ctrlPr>
                             <a:rPr lang="en-US" sz="9600" b="0" i="1" smtClean="0">
-                              <a:latin typeface="Cambria Math" charset="0"/>
+                              <a:latin typeface="Cambria Math" panose="02040503050406030204" pitchFamily="18" charset="0"/>
                             </a:rPr>
                           </m:ctrlPr>
                         </m:sSubPr>
@@ -4021,7 +3999,7 @@
                         <m:fPr>
                           <m:ctrlPr>
                             <a:rPr lang="bg-BG" sz="9600" b="0" i="1" smtClean="0">
-                              <a:latin typeface="Cambria Math" charset="0"/>
+                              <a:latin typeface="Cambria Math" panose="02040503050406030204" pitchFamily="18" charset="0"/>
                             </a:rPr>
                           </m:ctrlPr>
                         </m:fPr>
@@ -4033,7 +4011,7 @@
                               <m:supHide m:val="on"/>
                               <m:ctrlPr>
                                 <a:rPr lang="bg-BG" sz="9600" b="0" i="1" smtClean="0">
-                                  <a:latin typeface="Cambria Math" charset="0"/>
+                                  <a:latin typeface="Cambria Math" panose="02040503050406030204" pitchFamily="18" charset="0"/>
                                 </a:rPr>
                               </m:ctrlPr>
                             </m:naryPr>
@@ -4070,7 +4048,7 @@
                                 <m:sSubPr>
                                   <m:ctrlPr>
                                     <a:rPr lang="en-US" sz="9600" b="0" i="1" smtClean="0">
-                                      <a:latin typeface="Cambria Math" charset="0"/>
+                                      <a:latin typeface="Cambria Math" panose="02040503050406030204" pitchFamily="18" charset="0"/>
                                     </a:rPr>
                                   </m:ctrlPr>
                                 </m:sSubPr>
@@ -4103,7 +4081,7 @@
                                 <m:sSubPr>
                                   <m:ctrlPr>
                                     <a:rPr lang="en-US" sz="9600" b="0" i="1" smtClean="0">
-                                      <a:latin typeface="Cambria Math" charset="0"/>
+                                      <a:latin typeface="Cambria Math" panose="02040503050406030204" pitchFamily="18" charset="0"/>
                                       <a:ea typeface="Cambria Math" charset="0"/>
                                       <a:cs typeface="Cambria Math" charset="0"/>
                                     </a:rPr>
@@ -4150,7 +4128,7 @@
             </p:txBody>
           </p:sp>
         </mc:Choice>
-        <mc:Fallback>
+        <mc:Fallback xmlns="">
           <p:sp>
             <p:nvSpPr>
               <p:cNvPr id="6" name="TextBox 5"/>
@@ -4189,6 +4167,968 @@
           </p:sp>
         </mc:Fallback>
       </mc:AlternateContent>
+      <p:sp>
+        <p:nvSpPr>
+          <p:cNvPr id="25" name="TextBox 24"/>
+          <p:cNvSpPr txBox="1"/>
+          <p:nvPr/>
+        </p:nvSpPr>
+        <p:spPr>
+          <a:xfrm>
+            <a:off x="30385803" y="20944981"/>
+            <a:ext cx="12516811" cy="4401205"/>
+          </a:xfrm>
+          <a:prstGeom prst="rect">
+            <a:avLst/>
+          </a:prstGeom>
+          <a:noFill/>
+        </p:spPr>
+        <p:txBody>
+          <a:bodyPr wrap="square" rtlCol="0">
+            <a:spAutoFit/>
+          </a:bodyPr>
+          <a:lstStyle/>
+          <a:p>
+            <a:pPr marL="514350" indent="-514350" algn="just">
+              <a:buFont typeface="Arial" panose="020B0604020202020204" pitchFamily="34" charset="0"/>
+              <a:buChar char="•"/>
+            </a:pPr>
+            <a:r>
+              <a:rPr lang="en-US" sz="2800" dirty="0" smtClean="0"/>
+              <a:t>Select multiple metrics to create their own metric formula</a:t>
+            </a:r>
+          </a:p>
+          <a:p>
+            <a:pPr marL="457200" indent="-457200" algn="just">
+              <a:buFont typeface="Arial" panose="020B0604020202020204" pitchFamily="34" charset="0"/>
+              <a:buChar char="•"/>
+            </a:pPr>
+            <a:endParaRPr lang="en-US" sz="2800" dirty="0" smtClean="0"/>
+          </a:p>
+          <a:p>
+            <a:pPr marL="514350" indent="-514350" algn="just">
+              <a:buFont typeface="Arial" panose="020B0604020202020204" pitchFamily="34" charset="0"/>
+              <a:buChar char="•"/>
+            </a:pPr>
+            <a:r>
+              <a:rPr lang="en-US" sz="2800" dirty="0" smtClean="0"/>
+              <a:t>Assign weights to metrics to indicate importance (0-100 scale)</a:t>
+            </a:r>
+          </a:p>
+          <a:p>
+            <a:pPr marL="457200" indent="-457200" algn="just">
+              <a:buFont typeface="Arial" panose="020B0604020202020204" pitchFamily="34" charset="0"/>
+              <a:buChar char="•"/>
+            </a:pPr>
+            <a:endParaRPr lang="en-US" sz="2800" dirty="0" smtClean="0"/>
+          </a:p>
+          <a:p>
+            <a:pPr marL="514350" indent="-514350" algn="just">
+              <a:buFont typeface="Arial" panose="020B0604020202020204" pitchFamily="34" charset="0"/>
+              <a:buChar char="•"/>
+            </a:pPr>
+            <a:r>
+              <a:rPr lang="en-US" sz="2800" dirty="0" smtClean="0"/>
+              <a:t>Create custom metric name and save the metric to visualize in Explorer</a:t>
+            </a:r>
+          </a:p>
+          <a:p>
+            <a:pPr marL="457200" indent="-457200" algn="just">
+              <a:buFont typeface="Arial" panose="020B0604020202020204" pitchFamily="34" charset="0"/>
+              <a:buChar char="•"/>
+            </a:pPr>
+            <a:endParaRPr lang="en-US" sz="2800" dirty="0" smtClean="0"/>
+          </a:p>
+          <a:p>
+            <a:pPr marL="514350" indent="-514350" algn="just">
+              <a:buFont typeface="Arial" panose="020B0604020202020204" pitchFamily="34" charset="0"/>
+              <a:buChar char="•"/>
+            </a:pPr>
+            <a:r>
+              <a:rPr lang="en-US" sz="2800" dirty="0" smtClean="0"/>
+              <a:t>Look at their created metric data in the form of a bar chart, line chart or table</a:t>
+            </a:r>
+          </a:p>
+          <a:p>
+            <a:pPr marL="457200" indent="-457200" algn="just">
+              <a:buFont typeface="Arial" panose="020B0604020202020204" pitchFamily="34" charset="0"/>
+              <a:buChar char="•"/>
+            </a:pPr>
+            <a:endParaRPr lang="en-US" sz="2800" dirty="0" smtClean="0"/>
+          </a:p>
+          <a:p>
+            <a:pPr marL="514350" indent="-514350" algn="just">
+              <a:buFont typeface="Arial" panose="020B0604020202020204" pitchFamily="34" charset="0"/>
+              <a:buChar char="•"/>
+            </a:pPr>
+            <a:r>
+              <a:rPr lang="en-US" sz="2800" dirty="0" smtClean="0"/>
+              <a:t>Edit and delete custom metrics on the Metric Builder page</a:t>
+            </a:r>
+            <a:endParaRPr lang="en-US" sz="2800" dirty="0"/>
+          </a:p>
+        </p:txBody>
+      </p:sp>
+      <p:graphicFrame>
+        <p:nvGraphicFramePr>
+          <p:cNvPr id="7" name="Table 6"/>
+          <p:cNvGraphicFramePr>
+            <a:graphicFrameLocks noGrp="1"/>
+          </p:cNvGraphicFramePr>
+          <p:nvPr>
+            <p:extLst>
+              <p:ext uri="{D42A27DB-BD31-4B8C-83A1-F6EECF244321}">
+                <p14:modId xmlns:p14="http://schemas.microsoft.com/office/powerpoint/2010/main" val="3644312276"/>
+              </p:ext>
+            </p:extLst>
+          </p:nvPr>
+        </p:nvGraphicFramePr>
+        <p:xfrm>
+          <a:off x="16629573" y="21690737"/>
+          <a:ext cx="10429954" cy="4185956"/>
+        </p:xfrm>
+        <a:graphic>
+          <a:graphicData uri="http://schemas.openxmlformats.org/drawingml/2006/table">
+            <a:tbl>
+              <a:tblPr firstRow="1" bandRow="1">
+                <a:tableStyleId>{5C22544A-7EE6-4342-B048-85BDC9FD1C3A}</a:tableStyleId>
+              </a:tblPr>
+              <a:tblGrid>
+                <a:gridCol w="8415992"/>
+                <a:gridCol w="2013962"/>
+              </a:tblGrid>
+              <a:tr h="107950">
+                <a:tc gridSpan="2">
+                  <a:txBody>
+                    <a:bodyPr/>
+                    <a:lstStyle/>
+                    <a:p>
+                      <a:pPr algn="ctr">
+                        <a:lnSpc>
+                          <a:spcPct val="150000"/>
+                        </a:lnSpc>
+                        <a:spcAft>
+                          <a:spcPts val="0"/>
+                        </a:spcAft>
+                      </a:pPr>
+                      <a:r>
+                        <a:rPr lang="en-US" sz="2000" dirty="0">
+                          <a:effectLst/>
+                        </a:rPr>
+                        <a:t>Table 1: Average ratings of Part 1 of the User Study, Metric Builder Feature (13 users)</a:t>
+                      </a:r>
+                      <a:endParaRPr lang="en-US" sz="2000" dirty="0">
+                        <a:effectLst/>
+                        <a:latin typeface="Calibri" panose="020F0502020204030204" pitchFamily="34" charset="0"/>
+                      </a:endParaRPr>
+                    </a:p>
+                  </a:txBody>
+                  <a:tcPr marL="68580" marR="68580" marT="0" marB="0"/>
+                </a:tc>
+                <a:tc hMerge="1">
+                  <a:txBody>
+                    <a:bodyPr/>
+                    <a:lstStyle/>
+                    <a:p>
+                      <a:endParaRPr lang="en-US"/>
+                    </a:p>
+                  </a:txBody>
+                  <a:tcPr/>
+                </a:tc>
+              </a:tr>
+              <a:tr h="528356">
+                <a:tc>
+                  <a:txBody>
+                    <a:bodyPr/>
+                    <a:lstStyle/>
+                    <a:p>
+                      <a:pPr>
+                        <a:lnSpc>
+                          <a:spcPct val="150000"/>
+                        </a:lnSpc>
+                        <a:spcAft>
+                          <a:spcPts val="0"/>
+                        </a:spcAft>
+                      </a:pPr>
+                      <a:r>
+                        <a:rPr lang="en-US" sz="2000" dirty="0">
+                          <a:effectLst/>
+                        </a:rPr>
+                        <a:t>How easy was it to find the Metric Builder?</a:t>
+                      </a:r>
+                      <a:endParaRPr lang="en-US" sz="2000" dirty="0">
+                        <a:effectLst/>
+                        <a:latin typeface="Calibri" panose="020F0502020204030204" pitchFamily="34" charset="0"/>
+                      </a:endParaRPr>
+                    </a:p>
+                  </a:txBody>
+                  <a:tcPr marL="68580" marR="68580" marT="0" marB="0"/>
+                </a:tc>
+                <a:tc>
+                  <a:txBody>
+                    <a:bodyPr/>
+                    <a:lstStyle/>
+                    <a:p>
+                      <a:pPr>
+                        <a:lnSpc>
+                          <a:spcPct val="150000"/>
+                        </a:lnSpc>
+                        <a:spcAft>
+                          <a:spcPts val="0"/>
+                        </a:spcAft>
+                      </a:pPr>
+                      <a:r>
+                        <a:rPr lang="en-US" sz="2000">
+                          <a:effectLst/>
+                        </a:rPr>
+                        <a:t>4.385</a:t>
+                      </a:r>
+                      <a:endParaRPr lang="en-US" sz="2000">
+                        <a:effectLst/>
+                        <a:latin typeface="Calibri" panose="020F0502020204030204" pitchFamily="34" charset="0"/>
+                      </a:endParaRPr>
+                    </a:p>
+                  </a:txBody>
+                  <a:tcPr marL="68580" marR="68580" marT="0" marB="0"/>
+                </a:tc>
+              </a:tr>
+              <a:tr h="0">
+                <a:tc>
+                  <a:txBody>
+                    <a:bodyPr/>
+                    <a:lstStyle/>
+                    <a:p>
+                      <a:pPr>
+                        <a:lnSpc>
+                          <a:spcPct val="150000"/>
+                        </a:lnSpc>
+                        <a:spcAft>
+                          <a:spcPts val="0"/>
+                        </a:spcAft>
+                      </a:pPr>
+                      <a:r>
+                        <a:rPr lang="en-US" sz="2000" dirty="0">
+                          <a:effectLst/>
+                        </a:rPr>
+                        <a:t>How easy was it to select the metrics "Unemployment Rate", "Corporate Income Tax Rate", and "Median Household Income" in the metric builder?</a:t>
+                      </a:r>
+                      <a:endParaRPr lang="en-US" sz="2000" dirty="0">
+                        <a:effectLst/>
+                        <a:latin typeface="Calibri" panose="020F0502020204030204" pitchFamily="34" charset="0"/>
+                      </a:endParaRPr>
+                    </a:p>
+                  </a:txBody>
+                  <a:tcPr marL="68580" marR="68580" marT="0" marB="0"/>
+                </a:tc>
+                <a:tc>
+                  <a:txBody>
+                    <a:bodyPr/>
+                    <a:lstStyle/>
+                    <a:p>
+                      <a:pPr>
+                        <a:lnSpc>
+                          <a:spcPct val="150000"/>
+                        </a:lnSpc>
+                        <a:spcAft>
+                          <a:spcPts val="0"/>
+                        </a:spcAft>
+                      </a:pPr>
+                      <a:r>
+                        <a:rPr lang="en-US" sz="2000" dirty="0">
+                          <a:effectLst/>
+                        </a:rPr>
+                        <a:t>4.308</a:t>
+                      </a:r>
+                      <a:endParaRPr lang="en-US" sz="2000" dirty="0">
+                        <a:effectLst/>
+                        <a:latin typeface="Calibri" panose="020F0502020204030204" pitchFamily="34" charset="0"/>
+                      </a:endParaRPr>
+                    </a:p>
+                  </a:txBody>
+                  <a:tcPr marL="68580" marR="68580" marT="0" marB="0"/>
+                </a:tc>
+              </a:tr>
+              <a:tr h="0">
+                <a:tc>
+                  <a:txBody>
+                    <a:bodyPr/>
+                    <a:lstStyle/>
+                    <a:p>
+                      <a:pPr>
+                        <a:lnSpc>
+                          <a:spcPct val="150000"/>
+                        </a:lnSpc>
+                        <a:spcAft>
+                          <a:spcPts val="0"/>
+                        </a:spcAft>
+                      </a:pPr>
+                      <a:r>
+                        <a:rPr lang="en-US" sz="2000">
+                          <a:effectLst/>
+                        </a:rPr>
+                        <a:t>How easy was it to weigh the metrics accordingly?</a:t>
+                      </a:r>
+                      <a:endParaRPr lang="en-US" sz="2000">
+                        <a:effectLst/>
+                        <a:latin typeface="Calibri" panose="020F0502020204030204" pitchFamily="34" charset="0"/>
+                      </a:endParaRPr>
+                    </a:p>
+                  </a:txBody>
+                  <a:tcPr marL="68580" marR="68580" marT="0" marB="0"/>
+                </a:tc>
+                <a:tc>
+                  <a:txBody>
+                    <a:bodyPr/>
+                    <a:lstStyle/>
+                    <a:p>
+                      <a:pPr>
+                        <a:lnSpc>
+                          <a:spcPct val="150000"/>
+                        </a:lnSpc>
+                        <a:spcAft>
+                          <a:spcPts val="0"/>
+                        </a:spcAft>
+                      </a:pPr>
+                      <a:r>
+                        <a:rPr lang="en-US" sz="2000">
+                          <a:effectLst/>
+                        </a:rPr>
+                        <a:t>4.615</a:t>
+                      </a:r>
+                      <a:endParaRPr lang="en-US" sz="2000">
+                        <a:effectLst/>
+                        <a:latin typeface="Calibri" panose="020F0502020204030204" pitchFamily="34" charset="0"/>
+                      </a:endParaRPr>
+                    </a:p>
+                  </a:txBody>
+                  <a:tcPr marL="68580" marR="68580" marT="0" marB="0"/>
+                </a:tc>
+              </a:tr>
+              <a:tr h="0">
+                <a:tc>
+                  <a:txBody>
+                    <a:bodyPr/>
+                    <a:lstStyle/>
+                    <a:p>
+                      <a:pPr>
+                        <a:lnSpc>
+                          <a:spcPct val="150000"/>
+                        </a:lnSpc>
+                        <a:spcAft>
+                          <a:spcPts val="0"/>
+                        </a:spcAft>
+                      </a:pPr>
+                      <a:r>
+                        <a:rPr lang="en-US" sz="2000" dirty="0">
+                          <a:effectLst/>
+                        </a:rPr>
+                        <a:t>How easy was it to name and save your metric?</a:t>
+                      </a:r>
+                      <a:endParaRPr lang="en-US" sz="2000" dirty="0">
+                        <a:effectLst/>
+                        <a:latin typeface="Calibri" panose="020F0502020204030204" pitchFamily="34" charset="0"/>
+                      </a:endParaRPr>
+                    </a:p>
+                  </a:txBody>
+                  <a:tcPr marL="68580" marR="68580" marT="0" marB="0"/>
+                </a:tc>
+                <a:tc>
+                  <a:txBody>
+                    <a:bodyPr/>
+                    <a:lstStyle/>
+                    <a:p>
+                      <a:pPr>
+                        <a:lnSpc>
+                          <a:spcPct val="150000"/>
+                        </a:lnSpc>
+                        <a:spcAft>
+                          <a:spcPts val="0"/>
+                        </a:spcAft>
+                      </a:pPr>
+                      <a:r>
+                        <a:rPr lang="en-US" sz="2000" dirty="0">
+                          <a:effectLst/>
+                        </a:rPr>
+                        <a:t>5</a:t>
+                      </a:r>
+                      <a:endParaRPr lang="en-US" sz="2000" dirty="0">
+                        <a:effectLst/>
+                        <a:latin typeface="Calibri" panose="020F0502020204030204" pitchFamily="34" charset="0"/>
+                      </a:endParaRPr>
+                    </a:p>
+                  </a:txBody>
+                  <a:tcPr marL="68580" marR="68580" marT="0" marB="0"/>
+                </a:tc>
+              </a:tr>
+              <a:tr h="0">
+                <a:tc>
+                  <a:txBody>
+                    <a:bodyPr/>
+                    <a:lstStyle/>
+                    <a:p>
+                      <a:pPr>
+                        <a:lnSpc>
+                          <a:spcPct val="150000"/>
+                        </a:lnSpc>
+                        <a:spcAft>
+                          <a:spcPts val="0"/>
+                        </a:spcAft>
+                      </a:pPr>
+                      <a:r>
+                        <a:rPr lang="en-US" sz="2000">
+                          <a:effectLst/>
+                        </a:rPr>
+                        <a:t>How easy was it to find “My Metric” on the data explorer page?</a:t>
+                      </a:r>
+                      <a:endParaRPr lang="en-US" sz="2000">
+                        <a:effectLst/>
+                        <a:latin typeface="Calibri" panose="020F0502020204030204" pitchFamily="34" charset="0"/>
+                      </a:endParaRPr>
+                    </a:p>
+                  </a:txBody>
+                  <a:tcPr marL="68580" marR="68580" marT="0" marB="0"/>
+                </a:tc>
+                <a:tc>
+                  <a:txBody>
+                    <a:bodyPr/>
+                    <a:lstStyle/>
+                    <a:p>
+                      <a:pPr>
+                        <a:lnSpc>
+                          <a:spcPct val="150000"/>
+                        </a:lnSpc>
+                        <a:spcAft>
+                          <a:spcPts val="0"/>
+                        </a:spcAft>
+                      </a:pPr>
+                      <a:r>
+                        <a:rPr lang="en-US" sz="2000">
+                          <a:effectLst/>
+                        </a:rPr>
+                        <a:t>4.231</a:t>
+                      </a:r>
+                      <a:endParaRPr lang="en-US" sz="2000">
+                        <a:effectLst/>
+                        <a:latin typeface="Calibri" panose="020F0502020204030204" pitchFamily="34" charset="0"/>
+                      </a:endParaRPr>
+                    </a:p>
+                  </a:txBody>
+                  <a:tcPr marL="68580" marR="68580" marT="0" marB="0"/>
+                </a:tc>
+              </a:tr>
+              <a:tr h="0">
+                <a:tc>
+                  <a:txBody>
+                    <a:bodyPr/>
+                    <a:lstStyle/>
+                    <a:p>
+                      <a:pPr>
+                        <a:lnSpc>
+                          <a:spcPct val="150000"/>
+                        </a:lnSpc>
+                        <a:spcAft>
+                          <a:spcPts val="0"/>
+                        </a:spcAft>
+                      </a:pPr>
+                      <a:r>
+                        <a:rPr lang="en-US" sz="2000">
+                          <a:effectLst/>
+                        </a:rPr>
+                        <a:t>How easy was it to edit “My Metric” to make the appropriate changes?</a:t>
+                      </a:r>
+                      <a:endParaRPr lang="en-US" sz="2000">
+                        <a:effectLst/>
+                        <a:latin typeface="Calibri" panose="020F0502020204030204" pitchFamily="34" charset="0"/>
+                      </a:endParaRPr>
+                    </a:p>
+                  </a:txBody>
+                  <a:tcPr marL="68580" marR="68580" marT="0" marB="0"/>
+                </a:tc>
+                <a:tc>
+                  <a:txBody>
+                    <a:bodyPr/>
+                    <a:lstStyle/>
+                    <a:p>
+                      <a:pPr>
+                        <a:lnSpc>
+                          <a:spcPct val="150000"/>
+                        </a:lnSpc>
+                        <a:spcAft>
+                          <a:spcPts val="0"/>
+                        </a:spcAft>
+                      </a:pPr>
+                      <a:r>
+                        <a:rPr lang="en-US" sz="2000">
+                          <a:effectLst/>
+                        </a:rPr>
+                        <a:t>3.846</a:t>
+                      </a:r>
+                      <a:endParaRPr lang="en-US" sz="2000">
+                        <a:effectLst/>
+                        <a:latin typeface="Calibri" panose="020F0502020204030204" pitchFamily="34" charset="0"/>
+                      </a:endParaRPr>
+                    </a:p>
+                  </a:txBody>
+                  <a:tcPr marL="68580" marR="68580" marT="0" marB="0"/>
+                </a:tc>
+              </a:tr>
+              <a:tr h="0">
+                <a:tc>
+                  <a:txBody>
+                    <a:bodyPr/>
+                    <a:lstStyle/>
+                    <a:p>
+                      <a:pPr>
+                        <a:lnSpc>
+                          <a:spcPct val="150000"/>
+                        </a:lnSpc>
+                        <a:spcAft>
+                          <a:spcPts val="0"/>
+                        </a:spcAft>
+                      </a:pPr>
+                      <a:r>
+                        <a:rPr lang="en-US" sz="2000" dirty="0">
+                          <a:effectLst/>
+                        </a:rPr>
+                        <a:t>How easy was it to remove “My Metric”?</a:t>
+                      </a:r>
+                      <a:endParaRPr lang="en-US" sz="2000" dirty="0">
+                        <a:effectLst/>
+                        <a:latin typeface="Calibri" panose="020F0502020204030204" pitchFamily="34" charset="0"/>
+                      </a:endParaRPr>
+                    </a:p>
+                  </a:txBody>
+                  <a:tcPr marL="68580" marR="68580" marT="0" marB="0"/>
+                </a:tc>
+                <a:tc>
+                  <a:txBody>
+                    <a:bodyPr/>
+                    <a:lstStyle/>
+                    <a:p>
+                      <a:pPr>
+                        <a:lnSpc>
+                          <a:spcPct val="150000"/>
+                        </a:lnSpc>
+                        <a:spcAft>
+                          <a:spcPts val="0"/>
+                        </a:spcAft>
+                      </a:pPr>
+                      <a:r>
+                        <a:rPr lang="en-US" sz="2000" dirty="0">
+                          <a:effectLst/>
+                        </a:rPr>
+                        <a:t>5</a:t>
+                      </a:r>
+                      <a:endParaRPr lang="en-US" sz="2000" dirty="0">
+                        <a:effectLst/>
+                        <a:latin typeface="Calibri" panose="020F0502020204030204" pitchFamily="34" charset="0"/>
+                      </a:endParaRPr>
+                    </a:p>
+                  </a:txBody>
+                  <a:tcPr marL="68580" marR="68580" marT="0" marB="0"/>
+                </a:tc>
+              </a:tr>
+            </a:tbl>
+          </a:graphicData>
+        </a:graphic>
+      </p:graphicFrame>
+      <p:graphicFrame>
+        <p:nvGraphicFramePr>
+          <p:cNvPr id="8" name="Table 7"/>
+          <p:cNvGraphicFramePr>
+            <a:graphicFrameLocks noGrp="1"/>
+          </p:cNvGraphicFramePr>
+          <p:nvPr>
+            <p:extLst>
+              <p:ext uri="{D42A27DB-BD31-4B8C-83A1-F6EECF244321}">
+                <p14:modId xmlns:p14="http://schemas.microsoft.com/office/powerpoint/2010/main" val="2548755159"/>
+              </p:ext>
+            </p:extLst>
+          </p:nvPr>
+        </p:nvGraphicFramePr>
+        <p:xfrm>
+          <a:off x="16629573" y="26022163"/>
+          <a:ext cx="10429953" cy="1512122"/>
+        </p:xfrm>
+        <a:graphic>
+          <a:graphicData uri="http://schemas.openxmlformats.org/drawingml/2006/table">
+            <a:tbl>
+              <a:tblPr firstRow="1" bandRow="1">
+                <a:tableStyleId>{5C22544A-7EE6-4342-B048-85BDC9FD1C3A}</a:tableStyleId>
+              </a:tblPr>
+              <a:tblGrid>
+                <a:gridCol w="8415990"/>
+                <a:gridCol w="2013963"/>
+              </a:tblGrid>
+              <a:tr h="533240">
+                <a:tc gridSpan="2">
+                  <a:txBody>
+                    <a:bodyPr/>
+                    <a:lstStyle/>
+                    <a:p>
+                      <a:pPr algn="ctr">
+                        <a:lnSpc>
+                          <a:spcPct val="150000"/>
+                        </a:lnSpc>
+                        <a:spcAft>
+                          <a:spcPts val="0"/>
+                        </a:spcAft>
+                      </a:pPr>
+                      <a:r>
+                        <a:rPr lang="en-US" sz="1800" dirty="0">
+                          <a:effectLst/>
+                        </a:rPr>
+                        <a:t>Table 2: Average ratings of Part 2 of the User Study, API Documentation (12 users)</a:t>
+                      </a:r>
+                      <a:endParaRPr lang="en-US" sz="1800" dirty="0">
+                        <a:effectLst/>
+                        <a:latin typeface="Calibri" panose="020F0502020204030204" pitchFamily="34" charset="0"/>
+                      </a:endParaRPr>
+                    </a:p>
+                  </a:txBody>
+                  <a:tcPr marL="68580" marR="68580" marT="0" marB="0"/>
+                </a:tc>
+                <a:tc hMerge="1">
+                  <a:txBody>
+                    <a:bodyPr/>
+                    <a:lstStyle/>
+                    <a:p>
+                      <a:endParaRPr lang="en-US"/>
+                    </a:p>
+                  </a:txBody>
+                  <a:tcPr/>
+                </a:tc>
+              </a:tr>
+              <a:tr h="489441">
+                <a:tc>
+                  <a:txBody>
+                    <a:bodyPr/>
+                    <a:lstStyle/>
+                    <a:p>
+                      <a:pPr>
+                        <a:lnSpc>
+                          <a:spcPct val="150000"/>
+                        </a:lnSpc>
+                        <a:spcAft>
+                          <a:spcPts val="0"/>
+                        </a:spcAft>
+                      </a:pPr>
+                      <a:r>
+                        <a:rPr lang="en-US" sz="1800" dirty="0">
+                          <a:effectLst/>
+                        </a:rPr>
+                        <a:t>How easy was it to </a:t>
+                      </a:r>
+                      <a:r>
+                        <a:rPr lang="en-US" sz="2000" dirty="0">
+                          <a:effectLst/>
+                        </a:rPr>
+                        <a:t>find</a:t>
+                      </a:r>
+                      <a:r>
+                        <a:rPr lang="en-US" sz="1800" dirty="0">
+                          <a:effectLst/>
+                        </a:rPr>
+                        <a:t> the API Documentation?</a:t>
+                      </a:r>
+                      <a:endParaRPr lang="en-US" sz="1800" dirty="0">
+                        <a:effectLst/>
+                        <a:latin typeface="Calibri" panose="020F0502020204030204" pitchFamily="34" charset="0"/>
+                      </a:endParaRPr>
+                    </a:p>
+                  </a:txBody>
+                  <a:tcPr marL="68580" marR="68580" marT="0" marB="0"/>
+                </a:tc>
+                <a:tc>
+                  <a:txBody>
+                    <a:bodyPr/>
+                    <a:lstStyle/>
+                    <a:p>
+                      <a:pPr>
+                        <a:lnSpc>
+                          <a:spcPct val="150000"/>
+                        </a:lnSpc>
+                        <a:spcAft>
+                          <a:spcPts val="0"/>
+                        </a:spcAft>
+                      </a:pPr>
+                      <a:r>
+                        <a:rPr lang="en-US" sz="1800">
+                          <a:effectLst/>
+                        </a:rPr>
+                        <a:t>3.25</a:t>
+                      </a:r>
+                      <a:endParaRPr lang="en-US" sz="1800">
+                        <a:effectLst/>
+                        <a:latin typeface="Calibri" panose="020F0502020204030204" pitchFamily="34" charset="0"/>
+                      </a:endParaRPr>
+                    </a:p>
+                  </a:txBody>
+                  <a:tcPr marL="68580" marR="68580" marT="0" marB="0"/>
+                </a:tc>
+              </a:tr>
+              <a:tr h="489441">
+                <a:tc>
+                  <a:txBody>
+                    <a:bodyPr/>
+                    <a:lstStyle/>
+                    <a:p>
+                      <a:pPr>
+                        <a:lnSpc>
+                          <a:spcPct val="150000"/>
+                        </a:lnSpc>
+                        <a:spcAft>
+                          <a:spcPts val="0"/>
+                        </a:spcAft>
+                      </a:pPr>
+                      <a:r>
+                        <a:rPr lang="en-US" sz="1800" dirty="0">
+                          <a:effectLst/>
+                        </a:rPr>
+                        <a:t>How useful is the API Documentation?</a:t>
+                      </a:r>
+                      <a:endParaRPr lang="en-US" sz="1800" dirty="0">
+                        <a:effectLst/>
+                        <a:latin typeface="Calibri" panose="020F0502020204030204" pitchFamily="34" charset="0"/>
+                      </a:endParaRPr>
+                    </a:p>
+                  </a:txBody>
+                  <a:tcPr marL="68580" marR="68580" marT="0" marB="0"/>
+                </a:tc>
+                <a:tc>
+                  <a:txBody>
+                    <a:bodyPr/>
+                    <a:lstStyle/>
+                    <a:p>
+                      <a:pPr>
+                        <a:lnSpc>
+                          <a:spcPct val="150000"/>
+                        </a:lnSpc>
+                        <a:spcAft>
+                          <a:spcPts val="0"/>
+                        </a:spcAft>
+                      </a:pPr>
+                      <a:r>
+                        <a:rPr lang="en-US" sz="1800" dirty="0">
+                          <a:effectLst/>
+                        </a:rPr>
+                        <a:t>4.167</a:t>
+                      </a:r>
+                      <a:endParaRPr lang="en-US" sz="1800" dirty="0">
+                        <a:effectLst/>
+                        <a:latin typeface="Calibri" panose="020F0502020204030204" pitchFamily="34" charset="0"/>
+                      </a:endParaRPr>
+                    </a:p>
+                  </a:txBody>
+                  <a:tcPr marL="68580" marR="68580" marT="0" marB="0"/>
+                </a:tc>
+              </a:tr>
+            </a:tbl>
+          </a:graphicData>
+        </a:graphic>
+      </p:graphicFrame>
+      <p:sp>
+        <p:nvSpPr>
+          <p:cNvPr id="27" name="TextBox 26"/>
+          <p:cNvSpPr txBox="1"/>
+          <p:nvPr/>
+        </p:nvSpPr>
+        <p:spPr>
+          <a:xfrm>
+            <a:off x="16487867" y="28703940"/>
+            <a:ext cx="11121333" cy="3970318"/>
+          </a:xfrm>
+          <a:prstGeom prst="rect">
+            <a:avLst/>
+          </a:prstGeom>
+          <a:noFill/>
+        </p:spPr>
+        <p:txBody>
+          <a:bodyPr wrap="square" rtlCol="0">
+            <a:spAutoFit/>
+          </a:bodyPr>
+          <a:lstStyle/>
+          <a:p>
+            <a:pPr marL="457200" indent="-457200" algn="just">
+              <a:buFont typeface="Arial" panose="020B0604020202020204" pitchFamily="34" charset="0"/>
+              <a:buChar char="•"/>
+            </a:pPr>
+            <a:r>
+              <a:rPr lang="en-US" sz="2800" b="1" dirty="0" smtClean="0"/>
+              <a:t>Massachusetts </a:t>
+            </a:r>
+            <a:r>
+              <a:rPr lang="en-US" sz="2800" b="1" dirty="0"/>
+              <a:t>High Technology Council </a:t>
+            </a:r>
+            <a:r>
+              <a:rPr lang="en-US" sz="2800" dirty="0"/>
+              <a:t>for making this project possible and working with Worcester Polytechnic Institute to create and grow </a:t>
+            </a:r>
+            <a:r>
+              <a:rPr lang="en-US" sz="2800" dirty="0" smtClean="0"/>
+              <a:t>MATTERS</a:t>
+            </a:r>
+          </a:p>
+          <a:p>
+            <a:pPr algn="just"/>
+            <a:endParaRPr lang="en-US" sz="2800" dirty="0" smtClean="0"/>
+          </a:p>
+          <a:p>
+            <a:pPr marL="457200" indent="-457200" algn="just">
+              <a:buFont typeface="Arial" panose="020B0604020202020204" pitchFamily="34" charset="0"/>
+              <a:buChar char="•"/>
+            </a:pPr>
+            <a:r>
+              <a:rPr lang="en-US" sz="2800" b="1" dirty="0" smtClean="0"/>
+              <a:t>Professor </a:t>
+            </a:r>
+            <a:r>
+              <a:rPr lang="en-US" sz="2800" b="1" dirty="0"/>
+              <a:t>Elke </a:t>
+            </a:r>
+            <a:r>
+              <a:rPr lang="en-US" sz="2800" b="1" dirty="0" err="1"/>
+              <a:t>Rundensteiner</a:t>
+            </a:r>
+            <a:r>
+              <a:rPr lang="en-US" sz="2800" b="1" dirty="0"/>
+              <a:t> </a:t>
+            </a:r>
+            <a:r>
+              <a:rPr lang="en-US" sz="2800" dirty="0"/>
+              <a:t>from WPI for her assistance and guidance throughout the entire </a:t>
+            </a:r>
+            <a:r>
+              <a:rPr lang="en-US" sz="2800" dirty="0" smtClean="0"/>
+              <a:t>project</a:t>
+            </a:r>
+          </a:p>
+          <a:p>
+            <a:pPr algn="just"/>
+            <a:endParaRPr lang="en-US" sz="2800" dirty="0"/>
+          </a:p>
+          <a:p>
+            <a:pPr marL="457200" indent="-457200" algn="just">
+              <a:buFont typeface="Arial" panose="020B0604020202020204" pitchFamily="34" charset="0"/>
+              <a:buChar char="•"/>
+            </a:pPr>
+            <a:r>
+              <a:rPr lang="en-US" sz="2800" b="1" dirty="0" smtClean="0"/>
+              <a:t>Caitlin </a:t>
+            </a:r>
+            <a:r>
+              <a:rPr lang="en-US" sz="2800" b="1" dirty="0"/>
+              <a:t>Kuhlman </a:t>
+            </a:r>
+            <a:r>
+              <a:rPr lang="en-US" sz="2800" dirty="0"/>
+              <a:t>from WPI for her help throughout the project and providing guidance and feedback on all aspects of the </a:t>
+            </a:r>
+            <a:r>
+              <a:rPr lang="en-US" sz="2800" dirty="0" smtClean="0"/>
+              <a:t>project</a:t>
+            </a:r>
+            <a:endParaRPr lang="en-US" sz="2800" dirty="0"/>
+          </a:p>
+        </p:txBody>
+      </p:sp>
+      <p:sp>
+        <p:nvSpPr>
+          <p:cNvPr id="10" name="TextBox 9"/>
+          <p:cNvSpPr txBox="1"/>
+          <p:nvPr/>
+        </p:nvSpPr>
+        <p:spPr>
+          <a:xfrm>
+            <a:off x="2403376" y="26979239"/>
+            <a:ext cx="10996707" cy="3477875"/>
+          </a:xfrm>
+          <a:prstGeom prst="rect">
+            <a:avLst/>
+          </a:prstGeom>
+          <a:noFill/>
+        </p:spPr>
+        <p:txBody>
+          <a:bodyPr wrap="square" rtlCol="0">
+            <a:spAutoFit/>
+          </a:bodyPr>
+          <a:lstStyle/>
+          <a:p>
+            <a:r>
+              <a:rPr lang="en-US" sz="2000" dirty="0" smtClean="0"/>
+              <a:t>The goal was to develop the API and documentation for MATTERS to allow users to have an additional way to interact with the data that MATTERS stores. The API allows these users to extract desired data values from our site easily.</a:t>
+            </a:r>
+          </a:p>
+          <a:p>
+            <a:endParaRPr lang="en-US" sz="2000" dirty="0" smtClean="0"/>
+          </a:p>
+          <a:p>
+            <a:r>
+              <a:rPr lang="en-US" sz="2000" dirty="0" smtClean="0"/>
+              <a:t>APIs </a:t>
+            </a:r>
+            <a:r>
+              <a:rPr lang="en-US" sz="2000" dirty="0"/>
+              <a:t>not only encourage innovation and the ability to </a:t>
+            </a:r>
+            <a:r>
+              <a:rPr lang="en-US" sz="2000" dirty="0" smtClean="0"/>
+              <a:t>manipulate </a:t>
+            </a:r>
+            <a:r>
+              <a:rPr lang="en-US" sz="2000" dirty="0"/>
+              <a:t>and extrapolate data by external collaborators, they provide </a:t>
+            </a:r>
+            <a:r>
+              <a:rPr lang="en-US" sz="2000" dirty="0" smtClean="0"/>
+              <a:t>a </a:t>
+            </a:r>
+            <a:r>
+              <a:rPr lang="en-US" sz="2000" dirty="0"/>
+              <a:t>means to do so that is more secure for the group creating the API. </a:t>
+            </a:r>
+            <a:r>
+              <a:rPr lang="en-US" sz="2000" dirty="0" smtClean="0"/>
+              <a:t>They </a:t>
+            </a:r>
+            <a:r>
+              <a:rPr lang="en-US" sz="2000" dirty="0"/>
+              <a:t>reduce the risk of how and what data is obtains and encourage good </a:t>
+            </a:r>
+            <a:r>
+              <a:rPr lang="en-US" sz="2000" dirty="0" smtClean="0"/>
+              <a:t>practice </a:t>
+            </a:r>
+            <a:r>
+              <a:rPr lang="en-US" sz="2000" dirty="0"/>
+              <a:t>for how to properly manage the data </a:t>
+            </a:r>
+            <a:r>
+              <a:rPr lang="en-US" sz="2000" dirty="0" smtClean="0"/>
+              <a:t>available.</a:t>
+            </a:r>
+          </a:p>
+          <a:p>
+            <a:endParaRPr lang="en-US" sz="2000" dirty="0"/>
+          </a:p>
+          <a:p>
+            <a:r>
+              <a:rPr lang="en-US" sz="2000" dirty="0" smtClean="0"/>
+              <a:t>The documentation provides developers easy </a:t>
+            </a:r>
+            <a:r>
+              <a:rPr lang="en-US" sz="2000" dirty="0" err="1" smtClean="0"/>
+              <a:t>inntruction</a:t>
+            </a:r>
+            <a:r>
+              <a:rPr lang="en-US" sz="2000" dirty="0" smtClean="0"/>
+              <a:t> and guidance for interacting with the MATTERS API, allowing for communication with our system to be both intuitive and effective.</a:t>
+            </a:r>
+            <a:endParaRPr lang="en-US" sz="2000" dirty="0"/>
+          </a:p>
+        </p:txBody>
+      </p:sp>
     </p:spTree>
     <p:extLst>
       <p:ext uri="{BB962C8B-B14F-4D97-AF65-F5344CB8AC3E}">

--- a/poster.pptx
+++ b/poster.pptx
@@ -304,7 +304,7 @@
           <a:p>
             <a:fld id="{608AD488-8197-41BF-AA78-15689F5CA829}" type="datetimeFigureOut">
               <a:rPr lang="en-US" smtClean="0"/>
-              <a:t>4/12/16</a:t>
+              <a:t>4/12/2016</a:t>
             </a:fld>
             <a:endParaRPr lang="en-US"/>
           </a:p>
@@ -474,7 +474,7 @@
           <a:p>
             <a:fld id="{608AD488-8197-41BF-AA78-15689F5CA829}" type="datetimeFigureOut">
               <a:rPr lang="en-US" smtClean="0"/>
-              <a:t>4/12/16</a:t>
+              <a:t>4/12/2016</a:t>
             </a:fld>
             <a:endParaRPr lang="en-US"/>
           </a:p>
@@ -654,7 +654,7 @@
           <a:p>
             <a:fld id="{608AD488-8197-41BF-AA78-15689F5CA829}" type="datetimeFigureOut">
               <a:rPr lang="en-US" smtClean="0"/>
-              <a:t>4/12/16</a:t>
+              <a:t>4/12/2016</a:t>
             </a:fld>
             <a:endParaRPr lang="en-US"/>
           </a:p>
@@ -824,7 +824,7 @@
           <a:p>
             <a:fld id="{608AD488-8197-41BF-AA78-15689F5CA829}" type="datetimeFigureOut">
               <a:rPr lang="en-US" smtClean="0"/>
-              <a:t>4/12/16</a:t>
+              <a:t>4/12/2016</a:t>
             </a:fld>
             <a:endParaRPr lang="en-US"/>
           </a:p>
@@ -1070,7 +1070,7 @@
           <a:p>
             <a:fld id="{608AD488-8197-41BF-AA78-15689F5CA829}" type="datetimeFigureOut">
               <a:rPr lang="en-US" smtClean="0"/>
-              <a:t>4/12/16</a:t>
+              <a:t>4/12/2016</a:t>
             </a:fld>
             <a:endParaRPr lang="en-US"/>
           </a:p>
@@ -1358,7 +1358,7 @@
           <a:p>
             <a:fld id="{608AD488-8197-41BF-AA78-15689F5CA829}" type="datetimeFigureOut">
               <a:rPr lang="en-US" smtClean="0"/>
-              <a:t>4/12/16</a:t>
+              <a:t>4/12/2016</a:t>
             </a:fld>
             <a:endParaRPr lang="en-US"/>
           </a:p>
@@ -1780,7 +1780,7 @@
           <a:p>
             <a:fld id="{608AD488-8197-41BF-AA78-15689F5CA829}" type="datetimeFigureOut">
               <a:rPr lang="en-US" smtClean="0"/>
-              <a:t>4/12/16</a:t>
+              <a:t>4/12/2016</a:t>
             </a:fld>
             <a:endParaRPr lang="en-US"/>
           </a:p>
@@ -1898,7 +1898,7 @@
           <a:p>
             <a:fld id="{608AD488-8197-41BF-AA78-15689F5CA829}" type="datetimeFigureOut">
               <a:rPr lang="en-US" smtClean="0"/>
-              <a:t>4/12/16</a:t>
+              <a:t>4/12/2016</a:t>
             </a:fld>
             <a:endParaRPr lang="en-US"/>
           </a:p>
@@ -1993,7 +1993,7 @@
           <a:p>
             <a:fld id="{608AD488-8197-41BF-AA78-15689F5CA829}" type="datetimeFigureOut">
               <a:rPr lang="en-US" smtClean="0"/>
-              <a:t>4/12/16</a:t>
+              <a:t>4/12/2016</a:t>
             </a:fld>
             <a:endParaRPr lang="en-US"/>
           </a:p>
@@ -2270,7 +2270,7 @@
           <a:p>
             <a:fld id="{608AD488-8197-41BF-AA78-15689F5CA829}" type="datetimeFigureOut">
               <a:rPr lang="en-US" smtClean="0"/>
-              <a:t>4/12/16</a:t>
+              <a:t>4/12/2016</a:t>
             </a:fld>
             <a:endParaRPr lang="en-US"/>
           </a:p>
@@ -2523,7 +2523,7 @@
           <a:p>
             <a:fld id="{608AD488-8197-41BF-AA78-15689F5CA829}" type="datetimeFigureOut">
               <a:rPr lang="en-US" smtClean="0"/>
-              <a:t>4/12/16</a:t>
+              <a:t>4/12/2016</a:t>
             </a:fld>
             <a:endParaRPr lang="en-US"/>
           </a:p>
@@ -2736,7 +2736,7 @@
           <a:p>
             <a:fld id="{608AD488-8197-41BF-AA78-15689F5CA829}" type="datetimeFigureOut">
               <a:rPr lang="en-US" smtClean="0"/>
-              <a:t>4/12/16</a:t>
+              <a:t>4/12/2016</a:t>
             </a:fld>
             <a:endParaRPr lang="en-US"/>
           </a:p>
@@ -4063,27 +4063,63 @@
                 <a:latin typeface="Arial" panose="020B0604020202020204" pitchFamily="34" charset="0"/>
                 <a:cs typeface="Arial" panose="020B0604020202020204" pitchFamily="34" charset="0"/>
               </a:rPr>
-              <a:t>Customizing Economic Indices to Measure State Competitiveness</a:t>
+              <a:t>Customizing Economic Indices to Measure State </a:t>
+            </a:r>
+            <a:r>
+              <a:rPr lang="en-US" sz="6800" b="1" dirty="0" smtClean="0">
+                <a:latin typeface="Arial" panose="020B0604020202020204" pitchFamily="34" charset="0"/>
+                <a:cs typeface="Arial" panose="020B0604020202020204" pitchFamily="34" charset="0"/>
+              </a:rPr>
+              <a:t>Competitiveness</a:t>
+            </a:r>
+            <a:r>
+              <a:rPr lang="en-US" sz="6600" b="1" dirty="0">
+                <a:latin typeface="Arial" panose="020B0604020202020204" pitchFamily="34" charset="0"/>
+                <a:cs typeface="Arial" panose="020B0604020202020204" pitchFamily="34" charset="0"/>
+              </a:rPr>
+              <a:t>	</a:t>
+            </a:r>
+            <a:r>
+              <a:rPr lang="en-US" sz="6600" b="1" dirty="0">
+                <a:latin typeface="Arial" panose="020B0604020202020204" pitchFamily="34" charset="0"/>
+                <a:cs typeface="Arial" panose="020B0604020202020204" pitchFamily="34" charset="0"/>
+              </a:rPr>
+              <a:t> </a:t>
             </a:r>
             <a:r>
               <a:rPr lang="en-US" sz="6600" b="1" dirty="0" smtClean="0">
                 <a:latin typeface="Arial" panose="020B0604020202020204" pitchFamily="34" charset="0"/>
                 <a:cs typeface="Arial" panose="020B0604020202020204" pitchFamily="34" charset="0"/>
               </a:rPr>
-              <a:t/>
-            </a:r>
-            <a:br>
-              <a:rPr lang="en-US" sz="6600" b="1" dirty="0" smtClean="0">
+              <a:t>         </a:t>
+            </a:r>
+            <a:r>
+              <a:rPr lang="en-US" sz="3200" dirty="0" err="1" smtClean="0">
                 <a:latin typeface="Arial" panose="020B0604020202020204" pitchFamily="34" charset="0"/>
                 <a:cs typeface="Arial" panose="020B0604020202020204" pitchFamily="34" charset="0"/>
               </a:rPr>
-            </a:br>
+              <a:t>Dmytro</a:t>
+            </a:r>
             <a:r>
               <a:rPr lang="en-US" sz="3200" dirty="0" smtClean="0">
                 <a:latin typeface="Arial" panose="020B0604020202020204" pitchFamily="34" charset="0"/>
                 <a:cs typeface="Arial" panose="020B0604020202020204" pitchFamily="34" charset="0"/>
               </a:rPr>
-              <a:t>	Advisor</a:t>
+              <a:t> </a:t>
+            </a:r>
+            <a:r>
+              <a:rPr lang="en-US" sz="3200" dirty="0" err="1" smtClean="0">
+                <a:latin typeface="Arial" panose="020B0604020202020204" pitchFamily="34" charset="0"/>
+                <a:cs typeface="Arial" panose="020B0604020202020204" pitchFamily="34" charset="0"/>
+              </a:rPr>
+              <a:t>Bogatov</a:t>
+            </a:r>
+            <a:r>
+              <a:rPr lang="en-US" sz="3200" dirty="0" smtClean="0">
+                <a:latin typeface="Arial" panose="020B0604020202020204" pitchFamily="34" charset="0"/>
+                <a:cs typeface="Arial" panose="020B0604020202020204" pitchFamily="34" charset="0"/>
+              </a:rPr>
+              <a:t> and Jillian Hennessy 	Advisor</a:t>
             </a:r>
             <a:r>
               <a:rPr lang="en-US" sz="3200" dirty="0">
@@ -4198,7 +4234,7 @@
                 <a:latin typeface="Arial" panose="020B0604020202020204" pitchFamily="34" charset="0"/>
                 <a:cs typeface="Arial" panose="020B0604020202020204" pitchFamily="34" charset="0"/>
               </a:rPr>
-              <a:t>WEB-BASED DASHBOARD  </a:t>
+              <a:t>DATA EXPLORATION</a:t>
             </a:r>
             <a:endParaRPr lang="en-US" sz="5400" b="1" dirty="0">
               <a:latin typeface="Arial" panose="020B0604020202020204" pitchFamily="34" charset="0"/>
@@ -4820,7 +4856,7 @@
         <p:spPr>
           <a:xfrm>
             <a:off x="1280517" y="5792603"/>
-            <a:ext cx="12792374" cy="5509200"/>
+            <a:ext cx="12792374" cy="6001643"/>
           </a:xfrm>
           <a:prstGeom prst="rect">
             <a:avLst/>
@@ -4861,7 +4897,19 @@
               <a:rPr lang="en-US" sz="3200" dirty="0" smtClean="0">
                 <a:cs typeface="Times New Roman" panose="02020603050405020304" pitchFamily="18" charset="0"/>
               </a:rPr>
-              <a:t>Incorporate data from across many diverse online sources into one platform for exploration, visualization and analytics.</a:t>
+              <a:t>Incorporate data from across many diverse online sources into one platform for </a:t>
+            </a:r>
+            <a:r>
+              <a:rPr lang="en-US" sz="3200" dirty="0" smtClean="0">
+                <a:cs typeface="Times New Roman" panose="02020603050405020304" pitchFamily="18" charset="0"/>
+              </a:rPr>
+              <a:t>extraction, exploration</a:t>
+            </a:r>
+            <a:r>
+              <a:rPr lang="en-US" sz="3200" dirty="0" smtClean="0">
+                <a:cs typeface="Times New Roman" panose="02020603050405020304" pitchFamily="18" charset="0"/>
+              </a:rPr>
+              <a:t>, visualization and analytics.</a:t>
             </a:r>
           </a:p>
           <a:p>
@@ -4900,8 +4948,11 @@
               <a:rPr lang="en-US" sz="3200" dirty="0" smtClean="0">
                 <a:cs typeface="Times New Roman" panose="02020603050405020304" pitchFamily="18" charset="0"/>
               </a:rPr>
-              <a:t>rankings.</a:t>
-            </a:r>
+              <a:t>rankings and be able to use these metrics as a part of their own economic indicators.</a:t>
+            </a:r>
+            <a:endParaRPr lang="en-US" sz="3200" dirty="0" smtClean="0">
+              <a:cs typeface="Times New Roman" panose="02020603050405020304" pitchFamily="18" charset="0"/>
+            </a:endParaRPr>
           </a:p>
           <a:p>
             <a:pPr marL="457200" indent="-457200">
@@ -5001,7 +5052,7 @@
                 <a:latin typeface="Arial" panose="020B0604020202020204" pitchFamily="34" charset="0"/>
                 <a:cs typeface="Arial" panose="020B0604020202020204" pitchFamily="34" charset="0"/>
               </a:rPr>
-              <a:t>DATA EXPLORATION</a:t>
+              <a:t>PUBLIC FACING API</a:t>
             </a:r>
             <a:endParaRPr lang="en-US" sz="5400" b="1" dirty="0">
               <a:latin typeface="Arial" panose="020B0604020202020204" pitchFamily="34" charset="0"/>
@@ -5041,48 +5092,6 @@
           </a:fontRef>
         </p:style>
       </p:cxnSp>
-      <p:sp>
-        <p:nvSpPr>
-          <p:cNvPr id="39" name="TextBox 38"/>
-          <p:cNvSpPr txBox="1"/>
-          <p:nvPr/>
-        </p:nvSpPr>
-        <p:spPr>
-          <a:xfrm>
-            <a:off x="30025486" y="5803989"/>
-            <a:ext cx="12385990" cy="1015663"/>
-          </a:xfrm>
-          <a:prstGeom prst="rect">
-            <a:avLst/>
-          </a:prstGeom>
-          <a:noFill/>
-        </p:spPr>
-        <p:txBody>
-          <a:bodyPr wrap="square" rtlCol="0">
-            <a:spAutoFit/>
-          </a:bodyPr>
-          <a:lstStyle/>
-          <a:p>
-            <a:pPr algn="ctr"/>
-            <a:r>
-              <a:rPr lang="en-US" sz="3200" b="1" dirty="0"/>
-              <a:t>T</a:t>
-            </a:r>
-            <a:r>
-              <a:rPr lang="en-US" sz="3200" b="1" dirty="0" smtClean="0"/>
-              <a:t>ools </a:t>
-            </a:r>
-            <a:r>
-              <a:rPr lang="en-US" sz="3200" b="1" dirty="0"/>
-              <a:t>to find meaningful insights in data </a:t>
-            </a:r>
-            <a:endParaRPr lang="en-US" sz="3200" b="1" dirty="0" smtClean="0"/>
-          </a:p>
-          <a:p>
-            <a:endParaRPr lang="en-US" sz="2800" dirty="0"/>
-          </a:p>
-        </p:txBody>
-      </p:sp>
       <p:sp>
         <p:nvSpPr>
           <p:cNvPr id="82" name="Cloud 24"/>
@@ -6220,7 +6229,7 @@
         </p:nvSpPr>
         <p:spPr>
           <a:xfrm>
-            <a:off x="15038550" y="18228001"/>
+            <a:off x="15038550" y="18780566"/>
             <a:ext cx="13644418" cy="9075783"/>
           </a:xfrm>
           <a:prstGeom prst="rect">
@@ -6300,7 +6309,7 @@
                   <a:latin typeface="Arial" panose="020B0604020202020204" pitchFamily="34" charset="0"/>
                   <a:cs typeface="Arial" panose="020B0604020202020204" pitchFamily="34" charset="0"/>
                 </a:rPr>
-                <a:t>PUBLIC FACING API</a:t>
+                <a:t>API DOCUMENTATION</a:t>
               </a:r>
               <a:endParaRPr lang="en-US" sz="5400" b="1" dirty="0">
                 <a:latin typeface="Arial" panose="020B0604020202020204" pitchFamily="34" charset="0"/>
@@ -6480,8 +6489,8 @@
         </p:blipFill>
         <p:spPr>
           <a:xfrm>
-            <a:off x="29624067" y="15203049"/>
-            <a:ext cx="11755638" cy="7298136"/>
+            <a:off x="30315910" y="15113620"/>
+            <a:ext cx="11560752" cy="7177147"/>
           </a:xfrm>
           <a:prstGeom prst="rect">
             <a:avLst/>
@@ -6490,13 +6499,13 @@
       </p:pic>
       <p:pic>
         <p:nvPicPr>
-          <p:cNvPr id="2" name="Picture 1"/>
+          <p:cNvPr id="6" name="Picture 5"/>
           <p:cNvPicPr>
             <a:picLocks noChangeAspect="1"/>
           </p:cNvPicPr>
           <p:nvPr/>
         </p:nvPicPr>
-        <p:blipFill>
+        <p:blipFill rotWithShape="1">
           <a:blip r:embed="rId26">
             <a:extLst>
               <a:ext uri="{28A0092B-C50C-407E-A947-70E740481C1C}">
@@ -6504,23 +6513,70 @@
               </a:ext>
             </a:extLst>
           </a:blip>
-          <a:stretch>
-            <a:fillRect/>
-          </a:stretch>
+          <a:srcRect t="15865" r="16116" b="-4615"/>
+          <a:stretch/>
         </p:blipFill>
         <p:spPr>
           <a:xfrm>
-            <a:off x="16149179" y="13356541"/>
-            <a:ext cx="8394700" cy="12039600"/>
+            <a:off x="15215807" y="14515719"/>
+            <a:ext cx="9985390" cy="7477338"/>
           </a:xfrm>
           <a:prstGeom prst="rect">
             <a:avLst/>
           </a:prstGeom>
         </p:spPr>
       </p:pic>
+      <p:sp>
+        <p:nvSpPr>
+          <p:cNvPr id="8" name="TextBox 7"/>
+          <p:cNvSpPr txBox="1"/>
+          <p:nvPr/>
+        </p:nvSpPr>
+        <p:spPr>
+          <a:xfrm>
+            <a:off x="30734378" y="6775591"/>
+            <a:ext cx="10593061" cy="5016758"/>
+          </a:xfrm>
+          <a:prstGeom prst="rect">
+            <a:avLst/>
+          </a:prstGeom>
+          <a:noFill/>
+        </p:spPr>
+        <p:txBody>
+          <a:bodyPr wrap="square" rtlCol="0">
+            <a:spAutoFit/>
+          </a:bodyPr>
+          <a:lstStyle/>
+          <a:p>
+            <a:r>
+              <a:rPr lang="en-US" sz="3200" dirty="0"/>
+              <a:t>APIs are tools that allow other </a:t>
+            </a:r>
+            <a:r>
+              <a:rPr lang="en-US" sz="3200" dirty="0" smtClean="0"/>
+              <a:t>programs </a:t>
+            </a:r>
+            <a:r>
+              <a:rPr lang="en-US" sz="3200" dirty="0"/>
+              <a:t>to interact with the software program that the API belongs to without having to give someone complete access to your code base. In a sense they expose some of the internal workings of software to the public but in a way that is limited by what the API chooses to provide. </a:t>
+            </a:r>
+            <a:endParaRPr lang="en-US" sz="3200" dirty="0" smtClean="0"/>
+          </a:p>
+          <a:p>
+            <a:endParaRPr lang="en-US" sz="3200" dirty="0"/>
+          </a:p>
+          <a:p>
+            <a:r>
+              <a:rPr lang="en-US" sz="3200" dirty="0" smtClean="0"/>
+              <a:t>The MATTERS API allows specific users who are kept track of through their specific API key, to access the data that MATTERS holds in it’s data warehouse</a:t>
+            </a:r>
+            <a:endParaRPr lang="en-US" sz="3200" dirty="0"/>
+          </a:p>
+        </p:txBody>
+      </p:sp>
       <p:pic>
         <p:nvPicPr>
-          <p:cNvPr id="6" name="Picture 5"/>
+          <p:cNvPr id="2" name="Picture 1"/>
           <p:cNvPicPr>
             <a:picLocks noChangeAspect="1"/>
           </p:cNvPicPr>
@@ -6534,29 +6590,36 @@
               </a:ext>
             </a:extLst>
           </a:blip>
-          <a:srcRect r="16116"/>
+          <a:srcRect t="-2" b="47829"/>
           <a:stretch/>
         </p:blipFill>
         <p:spPr>
           <a:xfrm>
-            <a:off x="16697324" y="17507889"/>
-            <a:ext cx="11143365" cy="9398000"/>
+            <a:off x="19837544" y="17460483"/>
+            <a:ext cx="8394700" cy="5669280"/>
           </a:xfrm>
           <a:prstGeom prst="rect">
             <a:avLst/>
           </a:prstGeom>
+          <a:ln>
+            <a:solidFill>
+              <a:schemeClr val="bg1">
+                <a:lumMod val="65000"/>
+              </a:schemeClr>
+            </a:solidFill>
+          </a:ln>
         </p:spPr>
       </p:pic>
       <p:sp>
         <p:nvSpPr>
-          <p:cNvPr id="8" name="TextBox 7"/>
+          <p:cNvPr id="12" name="TextBox 11"/>
           <p:cNvSpPr txBox="1"/>
           <p:nvPr/>
         </p:nvSpPr>
         <p:spPr>
           <a:xfrm>
-            <a:off x="30786644" y="7123665"/>
-            <a:ext cx="10593061" cy="4401205"/>
+            <a:off x="15518968" y="14028253"/>
+            <a:ext cx="4661247" cy="584775"/>
           </a:xfrm>
           <a:prstGeom prst="rect">
             <a:avLst/>
@@ -6570,16 +6633,318 @@
           <a:lstStyle/>
           <a:p>
             <a:r>
-              <a:rPr lang="en-US" sz="4000" dirty="0"/>
-              <a:t>APIs are tools that allow other </a:t>
-            </a:r>
-            <a:r>
-              <a:rPr lang="en-US" sz="4000" dirty="0" smtClean="0"/>
-              <a:t>programs </a:t>
-            </a:r>
-            <a:r>
-              <a:rPr lang="en-US" sz="4000" dirty="0"/>
-              <a:t>to interact with the software program that the API belongs to without having to give someone complete access to your code base. In a sense they expose some of the internal workings of software to the public but in a way that is limited by what the API chooses to provide. </a:t>
+              <a:rPr lang="en-US" sz="3200" dirty="0" smtClean="0"/>
+              <a:t>Outputting extracted data</a:t>
+            </a:r>
+            <a:endParaRPr lang="en-US" sz="3200" dirty="0"/>
+          </a:p>
+        </p:txBody>
+      </p:sp>
+      <p:sp>
+        <p:nvSpPr>
+          <p:cNvPr id="14" name="TextBox 13"/>
+          <p:cNvSpPr txBox="1"/>
+          <p:nvPr/>
+        </p:nvSpPr>
+        <p:spPr>
+          <a:xfrm>
+            <a:off x="16075009" y="23831254"/>
+            <a:ext cx="9126188" cy="584775"/>
+          </a:xfrm>
+          <a:prstGeom prst="rect">
+            <a:avLst/>
+          </a:prstGeom>
+          <a:noFill/>
+        </p:spPr>
+        <p:txBody>
+          <a:bodyPr wrap="square" rtlCol="0">
+            <a:spAutoFit/>
+          </a:bodyPr>
+          <a:lstStyle/>
+          <a:p>
+            <a:r>
+              <a:rPr lang="en-US" sz="3200" dirty="0" smtClean="0"/>
+              <a:t>Visualizing custom made metrics in the Data Explorer</a:t>
+            </a:r>
+            <a:endParaRPr lang="en-US" sz="3200" dirty="0"/>
+          </a:p>
+        </p:txBody>
+      </p:sp>
+      <p:sp>
+        <p:nvSpPr>
+          <p:cNvPr id="17" name="TextBox 16"/>
+          <p:cNvSpPr txBox="1"/>
+          <p:nvPr/>
+        </p:nvSpPr>
+        <p:spPr>
+          <a:xfrm>
+            <a:off x="18386380" y="13038036"/>
+            <a:ext cx="10443288" cy="584775"/>
+          </a:xfrm>
+          <a:prstGeom prst="rect">
+            <a:avLst/>
+          </a:prstGeom>
+          <a:noFill/>
+        </p:spPr>
+        <p:txBody>
+          <a:bodyPr wrap="square" rtlCol="0">
+            <a:spAutoFit/>
+          </a:bodyPr>
+          <a:lstStyle/>
+          <a:p>
+            <a:r>
+              <a:rPr lang="en-US" sz="3200" dirty="0" smtClean="0"/>
+              <a:t>MATTERS’ custom talent index displayed on home page</a:t>
+            </a:r>
+            <a:endParaRPr lang="en-US" sz="3200" dirty="0"/>
+          </a:p>
+        </p:txBody>
+      </p:sp>
+      <p:sp>
+        <p:nvSpPr>
+          <p:cNvPr id="93" name="TextBox 92"/>
+          <p:cNvSpPr txBox="1"/>
+          <p:nvPr/>
+        </p:nvSpPr>
+        <p:spPr>
+          <a:xfrm>
+            <a:off x="1512146" y="24913183"/>
+            <a:ext cx="12792374" cy="6494085"/>
+          </a:xfrm>
+          <a:prstGeom prst="rect">
+            <a:avLst/>
+          </a:prstGeom>
+          <a:noFill/>
+        </p:spPr>
+        <p:txBody>
+          <a:bodyPr wrap="square" rtlCol="0">
+            <a:spAutoFit/>
+          </a:bodyPr>
+          <a:lstStyle/>
+          <a:p>
+            <a:pPr marL="0" lvl="1" algn="ctr"/>
+            <a:r>
+              <a:rPr lang="en-US" sz="3200" b="1" dirty="0" smtClean="0">
+                <a:cs typeface="Times New Roman" panose="02020603050405020304" pitchFamily="18" charset="0"/>
+              </a:rPr>
+              <a:t>Metric Builder and API Documentation User Studies</a:t>
+            </a:r>
+            <a:endParaRPr lang="en-US" sz="3200" b="1" dirty="0">
+              <a:cs typeface="Times New Roman" panose="02020603050405020304" pitchFamily="18" charset="0"/>
+            </a:endParaRPr>
+          </a:p>
+          <a:p>
+            <a:endParaRPr lang="en-US" sz="3200" dirty="0" smtClean="0">
+              <a:cs typeface="Times New Roman" panose="02020603050405020304" pitchFamily="18" charset="0"/>
+            </a:endParaRPr>
+          </a:p>
+          <a:p>
+            <a:pPr marL="457200" indent="-457200">
+              <a:buFont typeface="Arial" panose="020B0604020202020204" pitchFamily="34" charset="0"/>
+              <a:buChar char="•"/>
+            </a:pPr>
+            <a:r>
+              <a:rPr lang="en-US" sz="3200" dirty="0" smtClean="0">
+                <a:cs typeface="Times New Roman" panose="02020603050405020304" pitchFamily="18" charset="0"/>
+              </a:rPr>
+              <a:t>14 WPI students took part in a user study to test both the Metric Builder and API Documentation</a:t>
+            </a:r>
+            <a:endParaRPr lang="en-US" sz="3200" dirty="0" smtClean="0">
+              <a:cs typeface="Times New Roman" panose="02020603050405020304" pitchFamily="18" charset="0"/>
+            </a:endParaRPr>
+          </a:p>
+          <a:p>
+            <a:pPr marL="457200" indent="-457200">
+              <a:buFont typeface="Arial" panose="020B0604020202020204" pitchFamily="34" charset="0"/>
+              <a:buChar char="•"/>
+            </a:pPr>
+            <a:endParaRPr lang="en-US" sz="3200" dirty="0">
+              <a:cs typeface="Times New Roman" panose="02020603050405020304" pitchFamily="18" charset="0"/>
+            </a:endParaRPr>
+          </a:p>
+          <a:p>
+            <a:pPr marL="457200" indent="-457200">
+              <a:buFont typeface="Arial" panose="020B0604020202020204" pitchFamily="34" charset="0"/>
+              <a:buChar char="•"/>
+            </a:pPr>
+            <a:r>
+              <a:rPr lang="en-US" sz="3200" dirty="0" smtClean="0">
+                <a:cs typeface="Times New Roman" panose="02020603050405020304" pitchFamily="18" charset="0"/>
+              </a:rPr>
+              <a:t>Students rated the ease of use of both features through a survey and provided additional feedback</a:t>
+            </a:r>
+            <a:endParaRPr lang="en-US" sz="3200" dirty="0">
+              <a:cs typeface="Times New Roman" panose="02020603050405020304" pitchFamily="18" charset="0"/>
+            </a:endParaRPr>
+          </a:p>
+          <a:p>
+            <a:pPr marL="457200" indent="-457200">
+              <a:buFont typeface="Arial" panose="020B0604020202020204" pitchFamily="34" charset="0"/>
+              <a:buChar char="•"/>
+            </a:pPr>
+            <a:endParaRPr lang="en-US" sz="3200" dirty="0">
+              <a:cs typeface="Times New Roman" panose="02020603050405020304" pitchFamily="18" charset="0"/>
+            </a:endParaRPr>
+          </a:p>
+          <a:p>
+            <a:pPr marL="457200" indent="-457200">
+              <a:buFont typeface="Arial" panose="020B0604020202020204" pitchFamily="34" charset="0"/>
+              <a:buChar char="•"/>
+            </a:pPr>
+            <a:r>
+              <a:rPr lang="en-US" sz="3200" dirty="0" smtClean="0">
+                <a:cs typeface="Times New Roman" panose="02020603050405020304" pitchFamily="18" charset="0"/>
+              </a:rPr>
+              <a:t>As a result of the user feedback, the API Documentation link was put in an easier to locate place at the footer, and the way to edit a custom metric was made more clear</a:t>
+            </a:r>
+          </a:p>
+          <a:p>
+            <a:pPr marL="457200" indent="-457200">
+              <a:buFont typeface="Arial" panose="020B0604020202020204" pitchFamily="34" charset="0"/>
+              <a:buChar char="•"/>
+            </a:pPr>
+            <a:endParaRPr lang="en-US" sz="3200" dirty="0">
+              <a:cs typeface="Times New Roman" panose="02020603050405020304" pitchFamily="18" charset="0"/>
+            </a:endParaRPr>
+          </a:p>
+          <a:p>
+            <a:pPr marL="457200" indent="-457200">
+              <a:buFont typeface="Arial" panose="020B0604020202020204" pitchFamily="34" charset="0"/>
+              <a:buChar char="•"/>
+            </a:pPr>
+            <a:r>
+              <a:rPr lang="en-US" sz="3200" dirty="0" smtClean="0">
+                <a:cs typeface="Times New Roman" panose="02020603050405020304" pitchFamily="18" charset="0"/>
+              </a:rPr>
+              <a:t>Overall our features were found to be highly intuitive</a:t>
+            </a:r>
+            <a:endParaRPr lang="en-US" sz="3200" dirty="0" smtClean="0">
+              <a:cs typeface="Times New Roman" panose="02020603050405020304" pitchFamily="18" charset="0"/>
+            </a:endParaRPr>
+          </a:p>
+        </p:txBody>
+      </p:sp>
+      <p:pic>
+        <p:nvPicPr>
+          <p:cNvPr id="20" name="Picture 19"/>
+          <p:cNvPicPr>
+            <a:picLocks noChangeAspect="1"/>
+          </p:cNvPicPr>
+          <p:nvPr/>
+        </p:nvPicPr>
+        <p:blipFill>
+          <a:blip r:embed="rId28"/>
+          <a:stretch>
+            <a:fillRect/>
+          </a:stretch>
+        </p:blipFill>
+        <p:spPr>
+          <a:xfrm>
+            <a:off x="15940582" y="24547809"/>
+            <a:ext cx="11662726" cy="6025893"/>
+          </a:xfrm>
+          <a:prstGeom prst="rect">
+            <a:avLst/>
+          </a:prstGeom>
+        </p:spPr>
+      </p:pic>
+      <p:sp>
+        <p:nvSpPr>
+          <p:cNvPr id="21" name="TextBox 20"/>
+          <p:cNvSpPr txBox="1"/>
+          <p:nvPr/>
+        </p:nvSpPr>
+        <p:spPr>
+          <a:xfrm>
+            <a:off x="1276234" y="15154620"/>
+            <a:ext cx="3254002" cy="6986528"/>
+          </a:xfrm>
+          <a:prstGeom prst="rect">
+            <a:avLst/>
+          </a:prstGeom>
+          <a:noFill/>
+        </p:spPr>
+        <p:txBody>
+          <a:bodyPr wrap="square" rtlCol="0">
+            <a:spAutoFit/>
+          </a:bodyPr>
+          <a:lstStyle/>
+          <a:p>
+            <a:pPr marL="342900" indent="-342900">
+              <a:buFont typeface="Arial" panose="020B0604020202020204" pitchFamily="34" charset="0"/>
+              <a:buChar char="•"/>
+            </a:pPr>
+            <a:r>
+              <a:rPr lang="en-US" sz="2800" dirty="0" smtClean="0"/>
+              <a:t>Create custom metrics using pre-existing metrics</a:t>
+            </a:r>
+          </a:p>
+          <a:p>
+            <a:pPr marL="342900" indent="-342900">
+              <a:buFont typeface="Arial" panose="020B0604020202020204" pitchFamily="34" charset="0"/>
+              <a:buChar char="•"/>
+            </a:pPr>
+            <a:endParaRPr lang="en-US" sz="2800" dirty="0"/>
+          </a:p>
+          <a:p>
+            <a:pPr marL="342900" indent="-342900">
+              <a:buFont typeface="Arial" panose="020B0604020202020204" pitchFamily="34" charset="0"/>
+              <a:buChar char="•"/>
+            </a:pPr>
+            <a:r>
+              <a:rPr lang="en-US" sz="2800" dirty="0" smtClean="0"/>
+              <a:t>Assign weights to metrics</a:t>
+            </a:r>
+          </a:p>
+          <a:p>
+            <a:pPr marL="342900" indent="-342900">
+              <a:buFont typeface="Arial" panose="020B0604020202020204" pitchFamily="34" charset="0"/>
+              <a:buChar char="•"/>
+            </a:pPr>
+            <a:endParaRPr lang="en-US" sz="2800" dirty="0"/>
+          </a:p>
+          <a:p>
+            <a:pPr marL="342900" indent="-342900">
+              <a:buFont typeface="Arial" panose="020B0604020202020204" pitchFamily="34" charset="0"/>
+              <a:buChar char="•"/>
+            </a:pPr>
+            <a:r>
+              <a:rPr lang="en-US" sz="2800" dirty="0" smtClean="0"/>
+              <a:t>Edit or delete your metric</a:t>
+            </a:r>
+          </a:p>
+          <a:p>
+            <a:pPr marL="342900" indent="-342900">
+              <a:buFont typeface="Arial" panose="020B0604020202020204" pitchFamily="34" charset="0"/>
+              <a:buChar char="•"/>
+            </a:pPr>
+            <a:endParaRPr lang="en-US" sz="2800" dirty="0"/>
+          </a:p>
+          <a:p>
+            <a:pPr marL="342900" indent="-342900">
+              <a:buFont typeface="Arial" panose="020B0604020202020204" pitchFamily="34" charset="0"/>
+              <a:buChar char="•"/>
+            </a:pPr>
+            <a:r>
+              <a:rPr lang="en-US" sz="2800" dirty="0" smtClean="0"/>
+              <a:t>Save your metric</a:t>
+            </a:r>
+          </a:p>
+          <a:p>
+            <a:pPr marL="342900" indent="-342900">
+              <a:buFont typeface="Arial" panose="020B0604020202020204" pitchFamily="34" charset="0"/>
+              <a:buChar char="•"/>
+            </a:pPr>
+            <a:endParaRPr lang="en-US" sz="2800" dirty="0"/>
+          </a:p>
+          <a:p>
+            <a:pPr marL="342900" indent="-342900">
+              <a:buFont typeface="Arial" panose="020B0604020202020204" pitchFamily="34" charset="0"/>
+              <a:buChar char="•"/>
+            </a:pPr>
+            <a:r>
+              <a:rPr lang="en-US" sz="2800" dirty="0" smtClean="0"/>
+              <a:t>Access your custom metric on the data explorer page</a:t>
             </a:r>
           </a:p>
         </p:txBody>
